--- a/Documents/MannschaftPresentation.pptx
+++ b/Documents/MannschaftPresentation.pptx
@@ -10,13 +10,23 @@
     <p:sldId id="260" r:id="rId4"/>
     <p:sldId id="266" r:id="rId5"/>
     <p:sldId id="267" r:id="rId6"/>
-    <p:sldId id="261" r:id="rId7"/>
-    <p:sldId id="264" r:id="rId8"/>
-    <p:sldId id="269" r:id="rId9"/>
-    <p:sldId id="272" r:id="rId10"/>
-    <p:sldId id="273" r:id="rId11"/>
-    <p:sldId id="274" r:id="rId12"/>
-    <p:sldId id="270" r:id="rId13"/>
+    <p:sldId id="286" r:id="rId7"/>
+    <p:sldId id="261" r:id="rId8"/>
+    <p:sldId id="275" r:id="rId9"/>
+    <p:sldId id="276" r:id="rId10"/>
+    <p:sldId id="277" r:id="rId11"/>
+    <p:sldId id="264" r:id="rId12"/>
+    <p:sldId id="269" r:id="rId13"/>
+    <p:sldId id="272" r:id="rId14"/>
+    <p:sldId id="273" r:id="rId15"/>
+    <p:sldId id="274" r:id="rId16"/>
+    <p:sldId id="270" r:id="rId17"/>
+    <p:sldId id="278" r:id="rId18"/>
+    <p:sldId id="279" r:id="rId19"/>
+    <p:sldId id="280" r:id="rId20"/>
+    <p:sldId id="281" r:id="rId21"/>
+    <p:sldId id="283" r:id="rId22"/>
+    <p:sldId id="284" r:id="rId23"/>
   </p:sldIdLst>
   <p:sldSz cx="12192000" cy="6858000"/>
   <p:notesSz cx="6858000" cy="9144000"/>
@@ -462,7 +472,7 @@
           <a:p>
             <a:fld id="{7D79E895-6B4A-41F5-BDC7-FC0F586815A2}" type="datetimeFigureOut">
               <a:rPr lang="en-US" smtClean="0"/>
-              <a:t>2/1/2018</a:t>
+              <a:t>25-May-18</a:t>
             </a:fld>
             <a:endParaRPr lang="en-US"/>
           </a:p>
@@ -1550,7 +1560,7 @@
           <a:p>
             <a:fld id="{7D79E895-6B4A-41F5-BDC7-FC0F586815A2}" type="datetimeFigureOut">
               <a:rPr lang="en-US" smtClean="0"/>
-              <a:t>2/1/2018</a:t>
+              <a:t>25-May-18</a:t>
             </a:fld>
             <a:endParaRPr lang="en-US"/>
           </a:p>
@@ -2530,7 +2540,7 @@
           <a:p>
             <a:fld id="{7D79E895-6B4A-41F5-BDC7-FC0F586815A2}" type="datetimeFigureOut">
               <a:rPr lang="en-US" smtClean="0"/>
-              <a:t>2/1/2018</a:t>
+              <a:t>25-May-18</a:t>
             </a:fld>
             <a:endParaRPr lang="en-US"/>
           </a:p>
@@ -3664,7 +3674,7 @@
           <a:p>
             <a:fld id="{7D79E895-6B4A-41F5-BDC7-FC0F586815A2}" type="datetimeFigureOut">
               <a:rPr lang="en-US" smtClean="0"/>
-              <a:t>2/1/2018</a:t>
+              <a:t>25-May-18</a:t>
             </a:fld>
             <a:endParaRPr lang="en-US"/>
           </a:p>
@@ -4697,7 +4707,7 @@
           <a:p>
             <a:fld id="{7D79E895-6B4A-41F5-BDC7-FC0F586815A2}" type="datetimeFigureOut">
               <a:rPr lang="en-US" smtClean="0"/>
-              <a:t>2/1/2018</a:t>
+              <a:t>25-May-18</a:t>
             </a:fld>
             <a:endParaRPr lang="en-US"/>
           </a:p>
@@ -5357,7 +5367,7 @@
           <a:p>
             <a:fld id="{7D79E895-6B4A-41F5-BDC7-FC0F586815A2}" type="datetimeFigureOut">
               <a:rPr lang="en-US" smtClean="0"/>
-              <a:t>2/1/2018</a:t>
+              <a:t>25-May-18</a:t>
             </a:fld>
             <a:endParaRPr lang="en-US"/>
           </a:p>
@@ -6218,7 +6228,7 @@
           <a:p>
             <a:fld id="{7D79E895-6B4A-41F5-BDC7-FC0F586815A2}" type="datetimeFigureOut">
               <a:rPr lang="en-US" smtClean="0"/>
-              <a:t>2/1/2018</a:t>
+              <a:t>25-May-18</a:t>
             </a:fld>
             <a:endParaRPr lang="en-US"/>
           </a:p>
@@ -6408,7 +6418,7 @@
           <a:p>
             <a:fld id="{7D79E895-6B4A-41F5-BDC7-FC0F586815A2}" type="datetimeFigureOut">
               <a:rPr lang="en-US" smtClean="0"/>
-              <a:t>2/1/2018</a:t>
+              <a:t>25-May-18</a:t>
             </a:fld>
             <a:endParaRPr lang="en-US"/>
           </a:p>
@@ -7380,7 +7390,7 @@
           <a:p>
             <a:fld id="{7D79E895-6B4A-41F5-BDC7-FC0F586815A2}" type="datetimeFigureOut">
               <a:rPr lang="en-US" smtClean="0"/>
-              <a:t>2/1/2018</a:t>
+              <a:t>25-May-18</a:t>
             </a:fld>
             <a:endParaRPr lang="en-US"/>
           </a:p>
@@ -7591,7 +7601,7 @@
           <a:p>
             <a:fld id="{7D79E895-6B4A-41F5-BDC7-FC0F586815A2}" type="datetimeFigureOut">
               <a:rPr lang="en-US" smtClean="0"/>
-              <a:t>2/1/2018</a:t>
+              <a:t>25-May-18</a:t>
             </a:fld>
             <a:endParaRPr lang="en-US"/>
           </a:p>
@@ -8625,7 +8635,7 @@
           <a:p>
             <a:fld id="{7D79E895-6B4A-41F5-BDC7-FC0F586815A2}" type="datetimeFigureOut">
               <a:rPr lang="en-US" smtClean="0"/>
-              <a:t>2/1/2018</a:t>
+              <a:t>25-May-18</a:t>
             </a:fld>
             <a:endParaRPr lang="en-US"/>
           </a:p>
@@ -8897,7 +8907,7 @@
           <a:p>
             <a:fld id="{7D79E895-6B4A-41F5-BDC7-FC0F586815A2}" type="datetimeFigureOut">
               <a:rPr lang="en-US" smtClean="0"/>
-              <a:t>2/1/2018</a:t>
+              <a:t>25-May-18</a:t>
             </a:fld>
             <a:endParaRPr lang="en-US"/>
           </a:p>
@@ -9307,7 +9317,7 @@
           <a:p>
             <a:fld id="{7D79E895-6B4A-41F5-BDC7-FC0F586815A2}" type="datetimeFigureOut">
               <a:rPr lang="en-US" smtClean="0"/>
-              <a:t>2/1/2018</a:t>
+              <a:t>25-May-18</a:t>
             </a:fld>
             <a:endParaRPr lang="en-US"/>
           </a:p>
@@ -9434,7 +9444,7 @@
           <a:p>
             <a:fld id="{7D79E895-6B4A-41F5-BDC7-FC0F586815A2}" type="datetimeFigureOut">
               <a:rPr lang="en-US" smtClean="0"/>
-              <a:t>2/1/2018</a:t>
+              <a:t>25-May-18</a:t>
             </a:fld>
             <a:endParaRPr lang="en-US"/>
           </a:p>
@@ -9529,7 +9539,7 @@
           <a:p>
             <a:fld id="{7D79E895-6B4A-41F5-BDC7-FC0F586815A2}" type="datetimeFigureOut">
               <a:rPr lang="en-US" smtClean="0"/>
-              <a:t>2/1/2018</a:t>
+              <a:t>25-May-18</a:t>
             </a:fld>
             <a:endParaRPr lang="en-US"/>
           </a:p>
@@ -10610,7 +10620,7 @@
           <a:p>
             <a:fld id="{7D79E895-6B4A-41F5-BDC7-FC0F586815A2}" type="datetimeFigureOut">
               <a:rPr lang="en-US" smtClean="0"/>
-              <a:t>2/1/2018</a:t>
+              <a:t>25-May-18</a:t>
             </a:fld>
             <a:endParaRPr lang="en-US"/>
           </a:p>
@@ -11718,7 +11728,7 @@
           <a:p>
             <a:fld id="{7D79E895-6B4A-41F5-BDC7-FC0F586815A2}" type="datetimeFigureOut">
               <a:rPr lang="en-US" smtClean="0"/>
-              <a:t>2/1/2018</a:t>
+              <a:t>25-May-18</a:t>
             </a:fld>
             <a:endParaRPr lang="en-US"/>
           </a:p>
@@ -12715,7 +12725,7 @@
           <a:p>
             <a:fld id="{7D79E895-6B4A-41F5-BDC7-FC0F586815A2}" type="datetimeFigureOut">
               <a:rPr lang="en-US" smtClean="0"/>
-              <a:t>2/1/2018</a:t>
+              <a:t>25-May-18</a:t>
             </a:fld>
             <a:endParaRPr lang="en-US"/>
           </a:p>
@@ -13392,6 +13402,964 @@
           <a:lstStyle/>
           <a:p>
             <a:r>
+              <a:rPr lang="en-US" dirty="0"/>
+              <a:t>Suggestions From Our Meetings</a:t>
+            </a:r>
+          </a:p>
+        </p:txBody>
+      </p:sp>
+      <p:sp>
+        <p:nvSpPr>
+          <p:cNvPr id="3" name="Content Placeholder 2"/>
+          <p:cNvSpPr>
+            <a:spLocks noGrp="1"/>
+          </p:cNvSpPr>
+          <p:nvPr>
+            <p:ph idx="1"/>
+          </p:nvPr>
+        </p:nvSpPr>
+        <p:spPr/>
+        <p:txBody>
+          <a:bodyPr>
+            <a:normAutofit/>
+          </a:bodyPr>
+          <a:lstStyle/>
+          <a:p>
+            <a:r>
+              <a:rPr lang="en-US" sz="2400" dirty="0" smtClean="0"/>
+              <a:t> Sarah </a:t>
+            </a:r>
+            <a:r>
+              <a:rPr lang="en-US" sz="2400" dirty="0"/>
+              <a:t>was to work on the use case </a:t>
+            </a:r>
+            <a:r>
+              <a:rPr lang="en-US" sz="2400" dirty="0" smtClean="0"/>
+              <a:t>diagram</a:t>
+            </a:r>
+            <a:endParaRPr lang="en-US" sz="2400" dirty="0"/>
+          </a:p>
+          <a:p>
+            <a:r>
+              <a:rPr lang="en-US" sz="2400" dirty="0" smtClean="0"/>
+              <a:t> Sarpong </a:t>
+            </a:r>
+            <a:r>
+              <a:rPr lang="en-US" sz="2400" dirty="0"/>
+              <a:t>suggested we separate the activities into lecturers and </a:t>
+            </a:r>
+            <a:r>
+              <a:rPr lang="en-US" sz="2400" dirty="0" smtClean="0"/>
+              <a:t>students</a:t>
+            </a:r>
+            <a:endParaRPr lang="en-US" sz="2400" dirty="0"/>
+          </a:p>
+          <a:p>
+            <a:r>
+              <a:rPr lang="en-US" sz="2400" dirty="0" smtClean="0"/>
+              <a:t> Hassan </a:t>
+            </a:r>
+            <a:r>
+              <a:rPr lang="en-US" sz="2400" dirty="0"/>
+              <a:t>provided the activities to work </a:t>
+            </a:r>
+            <a:r>
+              <a:rPr lang="en-US" sz="2400" dirty="0" smtClean="0"/>
+              <a:t>on</a:t>
+            </a:r>
+            <a:endParaRPr lang="en-US" sz="2400" dirty="0"/>
+          </a:p>
+          <a:p>
+            <a:r>
+              <a:rPr lang="en-US" sz="2400" dirty="0" smtClean="0"/>
+              <a:t> Sarah </a:t>
+            </a:r>
+            <a:r>
+              <a:rPr lang="en-US" sz="2400" dirty="0"/>
+              <a:t>and Hassan worked on the use case diagram using Visual studio and Paint later in the day which was pushed to </a:t>
+            </a:r>
+            <a:r>
+              <a:rPr lang="en-US" sz="2400" dirty="0" err="1"/>
+              <a:t>G</a:t>
+            </a:r>
+            <a:r>
+              <a:rPr lang="en-US" sz="2400" dirty="0" err="1" smtClean="0"/>
+              <a:t>it</a:t>
+            </a:r>
+            <a:r>
+              <a:rPr lang="en-US" sz="2400" dirty="0" smtClean="0"/>
+              <a:t> </a:t>
+            </a:r>
+            <a:r>
+              <a:rPr lang="en-US" sz="2400" dirty="0"/>
+              <a:t>for all the members to </a:t>
+            </a:r>
+            <a:r>
+              <a:rPr lang="en-US" sz="2400" dirty="0" smtClean="0"/>
+              <a:t>view.</a:t>
+            </a:r>
+            <a:endParaRPr lang="en-US" sz="2400" dirty="0"/>
+          </a:p>
+        </p:txBody>
+      </p:sp>
+    </p:spTree>
+    <p:extLst>
+      <p:ext uri="{BB962C8B-B14F-4D97-AF65-F5344CB8AC3E}">
+        <p14:creationId xmlns:p14="http://schemas.microsoft.com/office/powerpoint/2010/main" val="1656510812"/>
+      </p:ext>
+    </p:extLst>
+  </p:cSld>
+  <p:clrMapOvr>
+    <a:masterClrMapping/>
+  </p:clrMapOvr>
+</p:sld>
+</file>
+
+<file path=ppt/slides/slide11.xml><?xml version="1.0" encoding="utf-8"?>
+<p:sld xmlns:a="http://schemas.openxmlformats.org/drawingml/2006/main" xmlns:r="http://schemas.openxmlformats.org/officeDocument/2006/relationships" xmlns:p="http://schemas.openxmlformats.org/presentationml/2006/main">
+  <p:cSld>
+    <p:spTree>
+      <p:nvGrpSpPr>
+        <p:cNvPr id="1" name=""/>
+        <p:cNvGrpSpPr/>
+        <p:nvPr/>
+      </p:nvGrpSpPr>
+      <p:grpSpPr>
+        <a:xfrm>
+          <a:off x="0" y="0"/>
+          <a:ext cx="0" cy="0"/>
+          <a:chOff x="0" y="0"/>
+          <a:chExt cx="0" cy="0"/>
+        </a:xfrm>
+      </p:grpSpPr>
+      <p:sp>
+        <p:nvSpPr>
+          <p:cNvPr id="2" name="Title 1"/>
+          <p:cNvSpPr>
+            <a:spLocks noGrp="1"/>
+          </p:cNvSpPr>
+          <p:nvPr>
+            <p:ph type="title"/>
+          </p:nvPr>
+        </p:nvSpPr>
+        <p:spPr/>
+        <p:txBody>
+          <a:bodyPr/>
+          <a:lstStyle/>
+          <a:p>
+            <a:r>
+              <a:rPr lang="en-US" b="1" dirty="0"/>
+              <a:t>Design Specifications</a:t>
+            </a:r>
+          </a:p>
+        </p:txBody>
+      </p:sp>
+      <p:sp>
+        <p:nvSpPr>
+          <p:cNvPr id="3" name="Content Placeholder 2"/>
+          <p:cNvSpPr>
+            <a:spLocks noGrp="1"/>
+          </p:cNvSpPr>
+          <p:nvPr>
+            <p:ph idx="1"/>
+          </p:nvPr>
+        </p:nvSpPr>
+        <p:spPr>
+          <a:xfrm>
+            <a:off x="1154954" y="2603500"/>
+            <a:ext cx="8825659" cy="3594100"/>
+          </a:xfrm>
+        </p:spPr>
+        <p:txBody>
+          <a:bodyPr>
+            <a:normAutofit/>
+          </a:bodyPr>
+          <a:lstStyle/>
+          <a:p>
+            <a:r>
+              <a:rPr lang="en-US" sz="2400" dirty="0"/>
+              <a:t>User profiles</a:t>
+            </a:r>
+          </a:p>
+          <a:p>
+            <a:r>
+              <a:rPr lang="en-US" sz="2400" dirty="0"/>
+              <a:t>Bulletin boards for each </a:t>
+            </a:r>
+            <a:r>
+              <a:rPr lang="en-US" sz="2400" dirty="0" smtClean="0"/>
+              <a:t>course</a:t>
+            </a:r>
+            <a:endParaRPr lang="en-US" sz="2400" dirty="0"/>
+          </a:p>
+          <a:p>
+            <a:r>
+              <a:rPr lang="en-US" sz="2400" dirty="0"/>
+              <a:t>View Current Course Allocation (CCA)</a:t>
+            </a:r>
+          </a:p>
+          <a:p>
+            <a:r>
+              <a:rPr lang="en-US" sz="2400" dirty="0"/>
+              <a:t>Reschedule courses(propose and vote) and update CCA</a:t>
+            </a:r>
+          </a:p>
+          <a:p>
+            <a:pPr>
+              <a:buFontTx/>
+              <a:buChar char="-"/>
+            </a:pPr>
+            <a:endParaRPr lang="en-US" sz="2400" dirty="0"/>
+          </a:p>
+        </p:txBody>
+      </p:sp>
+    </p:spTree>
+    <p:extLst>
+      <p:ext uri="{BB962C8B-B14F-4D97-AF65-F5344CB8AC3E}">
+        <p14:creationId xmlns:p14="http://schemas.microsoft.com/office/powerpoint/2010/main" val="17204794"/>
+      </p:ext>
+    </p:extLst>
+  </p:cSld>
+  <p:clrMapOvr>
+    <a:masterClrMapping/>
+  </p:clrMapOvr>
+</p:sld>
+</file>
+
+<file path=ppt/slides/slide12.xml><?xml version="1.0" encoding="utf-8"?>
+<p:sld xmlns:a="http://schemas.openxmlformats.org/drawingml/2006/main" xmlns:r="http://schemas.openxmlformats.org/officeDocument/2006/relationships" xmlns:p="http://schemas.openxmlformats.org/presentationml/2006/main">
+  <p:cSld>
+    <p:spTree>
+      <p:nvGrpSpPr>
+        <p:cNvPr id="1" name=""/>
+        <p:cNvGrpSpPr/>
+        <p:nvPr/>
+      </p:nvGrpSpPr>
+      <p:grpSpPr>
+        <a:xfrm>
+          <a:off x="0" y="0"/>
+          <a:ext cx="0" cy="0"/>
+          <a:chOff x="0" y="0"/>
+          <a:chExt cx="0" cy="0"/>
+        </a:xfrm>
+      </p:grpSpPr>
+      <p:sp>
+        <p:nvSpPr>
+          <p:cNvPr id="2" name="Title 1"/>
+          <p:cNvSpPr>
+            <a:spLocks noGrp="1"/>
+          </p:cNvSpPr>
+          <p:nvPr>
+            <p:ph type="title"/>
+          </p:nvPr>
+        </p:nvSpPr>
+        <p:spPr/>
+        <p:txBody>
+          <a:bodyPr/>
+          <a:lstStyle/>
+          <a:p>
+            <a:r>
+              <a:rPr lang="en-US" b="1" dirty="0"/>
+              <a:t>Architecture and Functionality</a:t>
+            </a:r>
+          </a:p>
+        </p:txBody>
+      </p:sp>
+      <p:sp>
+        <p:nvSpPr>
+          <p:cNvPr id="3" name="Content Placeholder 2"/>
+          <p:cNvSpPr>
+            <a:spLocks noGrp="1"/>
+          </p:cNvSpPr>
+          <p:nvPr>
+            <p:ph idx="1"/>
+          </p:nvPr>
+        </p:nvSpPr>
+        <p:spPr/>
+        <p:txBody>
+          <a:bodyPr/>
+          <a:lstStyle/>
+          <a:p>
+            <a:endParaRPr lang="en-US" dirty="0"/>
+          </a:p>
+          <a:p>
+            <a:pPr marL="0" indent="0">
+              <a:buNone/>
+            </a:pPr>
+            <a:endParaRPr lang="en-US" dirty="0"/>
+          </a:p>
+        </p:txBody>
+      </p:sp>
+      <p:sp>
+        <p:nvSpPr>
+          <p:cNvPr id="6" name="Content Placeholder 3"/>
+          <p:cNvSpPr txBox="1">
+            <a:spLocks/>
+          </p:cNvSpPr>
+          <p:nvPr/>
+        </p:nvSpPr>
+        <p:spPr>
+          <a:xfrm>
+            <a:off x="342900" y="2286000"/>
+            <a:ext cx="11303000" cy="4171950"/>
+          </a:xfrm>
+          <a:prstGeom prst="rect">
+            <a:avLst/>
+          </a:prstGeom>
+        </p:spPr>
+        <p:txBody>
+          <a:bodyPr vert="horz" lIns="91440" tIns="45720" rIns="91440" bIns="45720" rtlCol="0">
+            <a:normAutofit/>
+          </a:bodyPr>
+          <a:lstStyle>
+            <a:lvl1pPr marL="342900" indent="-342900" algn="l" defTabSz="457200" rtl="0" eaLnBrk="1" latinLnBrk="0" hangingPunct="1">
+              <a:spcBef>
+                <a:spcPts val="1000"/>
+              </a:spcBef>
+              <a:spcAft>
+                <a:spcPts val="0"/>
+              </a:spcAft>
+              <a:buClr>
+                <a:schemeClr val="accent1"/>
+              </a:buClr>
+              <a:buSzPct val="80000"/>
+              <a:buFont typeface="Wingdings 3" charset="2"/>
+              <a:buChar char=""/>
+              <a:defRPr sz="1800" b="0" i="0" kern="1200">
+                <a:solidFill>
+                  <a:schemeClr val="tx1">
+                    <a:lumMod val="75000"/>
+                    <a:lumOff val="25000"/>
+                  </a:schemeClr>
+                </a:solidFill>
+                <a:latin typeface="+mn-lt"/>
+                <a:ea typeface="+mn-ea"/>
+                <a:cs typeface="+mn-cs"/>
+              </a:defRPr>
+            </a:lvl1pPr>
+            <a:lvl2pPr marL="742950" indent="-285750" algn="l" defTabSz="457200" rtl="0" eaLnBrk="1" latinLnBrk="0" hangingPunct="1">
+              <a:spcBef>
+                <a:spcPts val="1000"/>
+              </a:spcBef>
+              <a:spcAft>
+                <a:spcPts val="0"/>
+              </a:spcAft>
+              <a:buClr>
+                <a:schemeClr val="accent1"/>
+              </a:buClr>
+              <a:buSzPct val="80000"/>
+              <a:buFont typeface="Wingdings 3" charset="2"/>
+              <a:buChar char=""/>
+              <a:defRPr sz="1600" b="0" i="0" kern="1200">
+                <a:solidFill>
+                  <a:schemeClr val="tx1">
+                    <a:lumMod val="75000"/>
+                    <a:lumOff val="25000"/>
+                  </a:schemeClr>
+                </a:solidFill>
+                <a:latin typeface="+mn-lt"/>
+                <a:ea typeface="+mn-ea"/>
+                <a:cs typeface="+mn-cs"/>
+              </a:defRPr>
+            </a:lvl2pPr>
+            <a:lvl3pPr marL="1143000" indent="-228600" algn="l" defTabSz="457200" rtl="0" eaLnBrk="1" latinLnBrk="0" hangingPunct="1">
+              <a:spcBef>
+                <a:spcPts val="1000"/>
+              </a:spcBef>
+              <a:spcAft>
+                <a:spcPts val="0"/>
+              </a:spcAft>
+              <a:buClr>
+                <a:schemeClr val="accent1"/>
+              </a:buClr>
+              <a:buSzPct val="80000"/>
+              <a:buFont typeface="Wingdings 3" charset="2"/>
+              <a:buChar char=""/>
+              <a:defRPr sz="1400" b="0" i="0" kern="1200">
+                <a:solidFill>
+                  <a:schemeClr val="tx1">
+                    <a:lumMod val="75000"/>
+                    <a:lumOff val="25000"/>
+                  </a:schemeClr>
+                </a:solidFill>
+                <a:latin typeface="+mn-lt"/>
+                <a:ea typeface="+mn-ea"/>
+                <a:cs typeface="+mn-cs"/>
+              </a:defRPr>
+            </a:lvl3pPr>
+            <a:lvl4pPr marL="1600200" indent="-228600" algn="l" defTabSz="457200" rtl="0" eaLnBrk="1" latinLnBrk="0" hangingPunct="1">
+              <a:spcBef>
+                <a:spcPts val="1000"/>
+              </a:spcBef>
+              <a:spcAft>
+                <a:spcPts val="0"/>
+              </a:spcAft>
+              <a:buClr>
+                <a:schemeClr val="accent1"/>
+              </a:buClr>
+              <a:buSzPct val="80000"/>
+              <a:buFont typeface="Wingdings 3" charset="2"/>
+              <a:buChar char=""/>
+              <a:defRPr sz="1200" b="0" i="0" kern="1200">
+                <a:solidFill>
+                  <a:schemeClr val="tx1">
+                    <a:lumMod val="75000"/>
+                    <a:lumOff val="25000"/>
+                  </a:schemeClr>
+                </a:solidFill>
+                <a:latin typeface="+mn-lt"/>
+                <a:ea typeface="+mn-ea"/>
+                <a:cs typeface="+mn-cs"/>
+              </a:defRPr>
+            </a:lvl4pPr>
+            <a:lvl5pPr marL="2057400" indent="-228600" algn="l" defTabSz="457200" rtl="0" eaLnBrk="1" latinLnBrk="0" hangingPunct="1">
+              <a:spcBef>
+                <a:spcPts val="1000"/>
+              </a:spcBef>
+              <a:spcAft>
+                <a:spcPts val="0"/>
+              </a:spcAft>
+              <a:buClr>
+                <a:schemeClr val="accent1"/>
+              </a:buClr>
+              <a:buSzPct val="80000"/>
+              <a:buFont typeface="Wingdings 3" charset="2"/>
+              <a:buChar char=""/>
+              <a:defRPr sz="1200" b="0" i="0" kern="1200">
+                <a:solidFill>
+                  <a:schemeClr val="tx1">
+                    <a:lumMod val="75000"/>
+                    <a:lumOff val="25000"/>
+                  </a:schemeClr>
+                </a:solidFill>
+                <a:latin typeface="+mn-lt"/>
+                <a:ea typeface="+mn-ea"/>
+                <a:cs typeface="+mn-cs"/>
+              </a:defRPr>
+            </a:lvl5pPr>
+            <a:lvl6pPr marL="2514600" indent="-228600" algn="l" defTabSz="457200" rtl="0" eaLnBrk="1" latinLnBrk="0" hangingPunct="1">
+              <a:spcBef>
+                <a:spcPts val="1000"/>
+              </a:spcBef>
+              <a:spcAft>
+                <a:spcPts val="0"/>
+              </a:spcAft>
+              <a:buClr>
+                <a:schemeClr val="accent1"/>
+              </a:buClr>
+              <a:buSzPct val="80000"/>
+              <a:buFont typeface="Wingdings 3" charset="2"/>
+              <a:buChar char=""/>
+              <a:defRPr sz="1200" b="0" i="0" kern="1200">
+                <a:solidFill>
+                  <a:schemeClr val="tx1">
+                    <a:lumMod val="75000"/>
+                    <a:lumOff val="25000"/>
+                  </a:schemeClr>
+                </a:solidFill>
+                <a:latin typeface="+mn-lt"/>
+                <a:ea typeface="+mn-ea"/>
+                <a:cs typeface="+mn-cs"/>
+              </a:defRPr>
+            </a:lvl6pPr>
+            <a:lvl7pPr marL="2971800" indent="-228600" algn="l" defTabSz="457200" rtl="0" eaLnBrk="1" latinLnBrk="0" hangingPunct="1">
+              <a:spcBef>
+                <a:spcPts val="1000"/>
+              </a:spcBef>
+              <a:spcAft>
+                <a:spcPts val="0"/>
+              </a:spcAft>
+              <a:buClr>
+                <a:schemeClr val="accent1"/>
+              </a:buClr>
+              <a:buSzPct val="80000"/>
+              <a:buFont typeface="Wingdings 3" charset="2"/>
+              <a:buChar char=""/>
+              <a:defRPr sz="1200" b="0" i="0" kern="1200">
+                <a:solidFill>
+                  <a:schemeClr val="tx1">
+                    <a:lumMod val="75000"/>
+                    <a:lumOff val="25000"/>
+                  </a:schemeClr>
+                </a:solidFill>
+                <a:latin typeface="+mn-lt"/>
+                <a:ea typeface="+mn-ea"/>
+                <a:cs typeface="+mn-cs"/>
+              </a:defRPr>
+            </a:lvl7pPr>
+            <a:lvl8pPr marL="3429000" indent="-228600" algn="l" defTabSz="457200" rtl="0" eaLnBrk="1" latinLnBrk="0" hangingPunct="1">
+              <a:spcBef>
+                <a:spcPts val="1000"/>
+              </a:spcBef>
+              <a:spcAft>
+                <a:spcPts val="0"/>
+              </a:spcAft>
+              <a:buClr>
+                <a:schemeClr val="accent1"/>
+              </a:buClr>
+              <a:buSzPct val="80000"/>
+              <a:buFont typeface="Wingdings 3" charset="2"/>
+              <a:buChar char=""/>
+              <a:defRPr sz="1200" b="0" i="0" kern="1200">
+                <a:solidFill>
+                  <a:schemeClr val="tx1">
+                    <a:lumMod val="75000"/>
+                    <a:lumOff val="25000"/>
+                  </a:schemeClr>
+                </a:solidFill>
+                <a:latin typeface="+mn-lt"/>
+                <a:ea typeface="+mn-ea"/>
+                <a:cs typeface="+mn-cs"/>
+              </a:defRPr>
+            </a:lvl8pPr>
+            <a:lvl9pPr marL="3886200" indent="-228600" algn="l" defTabSz="457200" rtl="0" eaLnBrk="1" latinLnBrk="0" hangingPunct="1">
+              <a:spcBef>
+                <a:spcPts val="1000"/>
+              </a:spcBef>
+              <a:spcAft>
+                <a:spcPts val="0"/>
+              </a:spcAft>
+              <a:buClr>
+                <a:schemeClr val="accent1"/>
+              </a:buClr>
+              <a:buSzPct val="80000"/>
+              <a:buFont typeface="Wingdings 3" charset="2"/>
+              <a:buChar char=""/>
+              <a:defRPr sz="1200" b="0" i="0" kern="1200">
+                <a:solidFill>
+                  <a:schemeClr val="tx1">
+                    <a:lumMod val="75000"/>
+                    <a:lumOff val="25000"/>
+                  </a:schemeClr>
+                </a:solidFill>
+                <a:latin typeface="+mn-lt"/>
+                <a:ea typeface="+mn-ea"/>
+                <a:cs typeface="+mn-cs"/>
+              </a:defRPr>
+            </a:lvl9pPr>
+          </a:lstStyle>
+          <a:p>
+            <a:pPr marL="0" indent="0">
+              <a:buFont typeface="Wingdings 3" charset="2"/>
+              <a:buNone/>
+            </a:pPr>
+            <a:r>
+              <a:rPr lang="en-US" sz="2000" b="1" dirty="0"/>
+              <a:t>Front-end:</a:t>
+            </a:r>
+          </a:p>
+          <a:p>
+            <a:r>
+              <a:rPr lang="en-US" sz="2000" dirty="0"/>
+              <a:t>User authentication and privilege designation.</a:t>
+            </a:r>
+          </a:p>
+          <a:p>
+            <a:r>
+              <a:rPr lang="en-US" sz="2000" dirty="0"/>
+              <a:t>Features and viewable </a:t>
+            </a:r>
+            <a:r>
+              <a:rPr lang="en-US" sz="2000" dirty="0" smtClean="0"/>
+              <a:t>bulletin </a:t>
+            </a:r>
+            <a:r>
+              <a:rPr lang="en-US" sz="2000" dirty="0"/>
+              <a:t>boards are designated according to user attributes (</a:t>
+            </a:r>
+            <a:r>
+              <a:rPr lang="en-US" sz="2000" dirty="0" err="1"/>
+              <a:t>i.e</a:t>
+            </a:r>
+            <a:r>
+              <a:rPr lang="en-US" sz="2000" dirty="0"/>
+              <a:t> lecture or student, year group, courses </a:t>
+            </a:r>
+            <a:r>
+              <a:rPr lang="en-US" sz="2000" dirty="0" smtClean="0"/>
+              <a:t>etc.)</a:t>
+            </a:r>
+            <a:endParaRPr lang="en-US" sz="2000" dirty="0" smtClean="0"/>
+          </a:p>
+          <a:p>
+            <a:r>
+              <a:rPr lang="en-US" sz="2000" dirty="0" smtClean="0"/>
+              <a:t>Android </a:t>
+            </a:r>
+            <a:r>
+              <a:rPr lang="en-US" sz="2000" dirty="0"/>
+              <a:t>and </a:t>
+            </a:r>
+            <a:r>
+              <a:rPr lang="en-US" sz="2000" dirty="0" smtClean="0"/>
+              <a:t>web app </a:t>
+            </a:r>
+            <a:r>
+              <a:rPr lang="en-US" sz="2000" dirty="0"/>
+              <a:t>(react)</a:t>
+            </a:r>
+          </a:p>
+          <a:p>
+            <a:pPr marL="0" indent="0">
+              <a:buNone/>
+            </a:pPr>
+            <a:r>
+              <a:rPr lang="en-US" sz="2000" b="1" dirty="0"/>
+              <a:t>Back-end:</a:t>
+            </a:r>
+          </a:p>
+          <a:p>
+            <a:r>
+              <a:rPr lang="en-US" sz="2000" dirty="0"/>
+              <a:t>SQL </a:t>
+            </a:r>
+            <a:r>
+              <a:rPr lang="en-US" sz="2000" dirty="0" smtClean="0"/>
+              <a:t>database </a:t>
+            </a:r>
+            <a:r>
+              <a:rPr lang="en-US" sz="2000" dirty="0" smtClean="0">
+                <a:sym typeface="Wingdings" panose="05000000000000000000" pitchFamily="2" charset="2"/>
+              </a:rPr>
+              <a:t> </a:t>
+            </a:r>
+            <a:r>
+              <a:rPr lang="en-US" sz="2000" dirty="0" smtClean="0"/>
+              <a:t>Relational database </a:t>
+            </a:r>
+            <a:r>
+              <a:rPr lang="en-US" sz="2000" dirty="0"/>
+              <a:t>keeps updated information relating to users and attributes like course of study (or course being taught by lecturer) etc.</a:t>
+            </a:r>
+          </a:p>
+          <a:p>
+            <a:r>
+              <a:rPr lang="en-US" sz="2000" dirty="0" smtClean="0"/>
+              <a:t>Express.js API </a:t>
+            </a:r>
+            <a:r>
+              <a:rPr lang="en-US" sz="2000" dirty="0" smtClean="0">
+                <a:sym typeface="Wingdings" panose="05000000000000000000" pitchFamily="2" charset="2"/>
+              </a:rPr>
+              <a:t> </a:t>
+            </a:r>
+            <a:r>
+              <a:rPr lang="en-US" sz="2000" dirty="0" smtClean="0"/>
+              <a:t>Queries </a:t>
+            </a:r>
+            <a:r>
+              <a:rPr lang="en-US" sz="2000" dirty="0"/>
+              <a:t>are made by back-end application on behalf of front end requests.</a:t>
+            </a:r>
+          </a:p>
+          <a:p>
+            <a:endParaRPr lang="en-US" sz="2000" dirty="0"/>
+          </a:p>
+          <a:p>
+            <a:endParaRPr lang="en-US" sz="2000" dirty="0"/>
+          </a:p>
+          <a:p>
+            <a:pPr marL="0" indent="0">
+              <a:buNone/>
+            </a:pPr>
+            <a:endParaRPr lang="en-US" sz="2000" b="1" dirty="0"/>
+          </a:p>
+          <a:p>
+            <a:pPr marL="0" indent="0">
+              <a:buNone/>
+            </a:pPr>
+            <a:endParaRPr lang="en-US" sz="2000" b="1" dirty="0"/>
+          </a:p>
+          <a:p>
+            <a:pPr marL="0" indent="0">
+              <a:buNone/>
+            </a:pPr>
+            <a:endParaRPr lang="en-US" sz="2000" dirty="0"/>
+          </a:p>
+          <a:p>
+            <a:pPr marL="0" indent="0">
+              <a:buNone/>
+            </a:pPr>
+            <a:endParaRPr lang="en-US" sz="2000" dirty="0"/>
+          </a:p>
+        </p:txBody>
+      </p:sp>
+    </p:spTree>
+    <p:extLst>
+      <p:ext uri="{BB962C8B-B14F-4D97-AF65-F5344CB8AC3E}">
+        <p14:creationId xmlns:p14="http://schemas.microsoft.com/office/powerpoint/2010/main" val="1700585870"/>
+      </p:ext>
+    </p:extLst>
+  </p:cSld>
+  <p:clrMapOvr>
+    <a:masterClrMapping/>
+  </p:clrMapOvr>
+</p:sld>
+</file>
+
+<file path=ppt/slides/slide13.xml><?xml version="1.0" encoding="utf-8"?>
+<p:sld xmlns:a="http://schemas.openxmlformats.org/drawingml/2006/main" xmlns:r="http://schemas.openxmlformats.org/officeDocument/2006/relationships" xmlns:p="http://schemas.openxmlformats.org/presentationml/2006/main">
+  <p:cSld>
+    <p:spTree>
+      <p:nvGrpSpPr>
+        <p:cNvPr id="1" name=""/>
+        <p:cNvGrpSpPr/>
+        <p:nvPr/>
+      </p:nvGrpSpPr>
+      <p:grpSpPr>
+        <a:xfrm>
+          <a:off x="0" y="0"/>
+          <a:ext cx="0" cy="0"/>
+          <a:chOff x="0" y="0"/>
+          <a:chExt cx="0" cy="0"/>
+        </a:xfrm>
+      </p:grpSpPr>
+      <p:sp>
+        <p:nvSpPr>
+          <p:cNvPr id="2" name="Title 1"/>
+          <p:cNvSpPr>
+            <a:spLocks noGrp="1"/>
+          </p:cNvSpPr>
+          <p:nvPr>
+            <p:ph type="title"/>
+          </p:nvPr>
+        </p:nvSpPr>
+        <p:spPr/>
+        <p:txBody>
+          <a:bodyPr/>
+          <a:lstStyle/>
+          <a:p>
+            <a:r>
+              <a:rPr lang="en-US" b="1" dirty="0"/>
+              <a:t>Architecture and Functionality</a:t>
+            </a:r>
+            <a:endParaRPr lang="en-GB" dirty="0"/>
+          </a:p>
+        </p:txBody>
+      </p:sp>
+      <p:pic>
+        <p:nvPicPr>
+          <p:cNvPr id="4" name="Content Placeholder 3"/>
+          <p:cNvPicPr>
+            <a:picLocks noGrp="1" noChangeAspect="1"/>
+          </p:cNvPicPr>
+          <p:nvPr>
+            <p:ph idx="1"/>
+          </p:nvPr>
+        </p:nvPicPr>
+        <p:blipFill>
+          <a:blip r:embed="rId2">
+            <a:extLst>
+              <a:ext uri="{28A0092B-C50C-407E-A947-70E740481C1C}">
+                <a14:useLocalDpi xmlns:a14="http://schemas.microsoft.com/office/drawing/2010/main" val="0"/>
+              </a:ext>
+            </a:extLst>
+          </a:blip>
+          <a:stretch>
+            <a:fillRect/>
+          </a:stretch>
+        </p:blipFill>
+        <p:spPr>
+          <a:xfrm>
+            <a:off x="48929" y="2620916"/>
+            <a:ext cx="2331170" cy="4144303"/>
+          </a:xfrm>
+        </p:spPr>
+      </p:pic>
+      <p:pic>
+        <p:nvPicPr>
+          <p:cNvPr id="8" name="Picture 7"/>
+          <p:cNvPicPr>
+            <a:picLocks noChangeAspect="1"/>
+          </p:cNvPicPr>
+          <p:nvPr/>
+        </p:nvPicPr>
+        <p:blipFill>
+          <a:blip r:embed="rId3">
+            <a:extLst>
+              <a:ext uri="{28A0092B-C50C-407E-A947-70E740481C1C}">
+                <a14:useLocalDpi xmlns:a14="http://schemas.microsoft.com/office/drawing/2010/main" val="0"/>
+              </a:ext>
+            </a:extLst>
+          </a:blip>
+          <a:stretch>
+            <a:fillRect/>
+          </a:stretch>
+        </p:blipFill>
+        <p:spPr>
+          <a:xfrm>
+            <a:off x="2425077" y="2620916"/>
+            <a:ext cx="2506226" cy="4144304"/>
+          </a:xfrm>
+          <a:prstGeom prst="rect">
+            <a:avLst/>
+          </a:prstGeom>
+        </p:spPr>
+      </p:pic>
+      <p:pic>
+        <p:nvPicPr>
+          <p:cNvPr id="9" name="Picture 8"/>
+          <p:cNvPicPr>
+            <a:picLocks noChangeAspect="1"/>
+          </p:cNvPicPr>
+          <p:nvPr/>
+        </p:nvPicPr>
+        <p:blipFill>
+          <a:blip r:embed="rId4">
+            <a:extLst>
+              <a:ext uri="{28A0092B-C50C-407E-A947-70E740481C1C}">
+                <a14:useLocalDpi xmlns:a14="http://schemas.microsoft.com/office/drawing/2010/main" val="0"/>
+              </a:ext>
+            </a:extLst>
+          </a:blip>
+          <a:stretch>
+            <a:fillRect/>
+          </a:stretch>
+        </p:blipFill>
+        <p:spPr>
+          <a:xfrm>
+            <a:off x="4997236" y="2620916"/>
+            <a:ext cx="2331171" cy="4144304"/>
+          </a:xfrm>
+          <a:prstGeom prst="rect">
+            <a:avLst/>
+          </a:prstGeom>
+        </p:spPr>
+      </p:pic>
+      <p:sp>
+        <p:nvSpPr>
+          <p:cNvPr id="10" name="Rectangle 9"/>
+          <p:cNvSpPr/>
+          <p:nvPr/>
+        </p:nvSpPr>
+        <p:spPr>
+          <a:xfrm>
+            <a:off x="780216" y="2251584"/>
+            <a:ext cx="1268296" cy="369332"/>
+          </a:xfrm>
+          <a:prstGeom prst="rect">
+            <a:avLst/>
+          </a:prstGeom>
+        </p:spPr>
+        <p:txBody>
+          <a:bodyPr wrap="none">
+            <a:spAutoFit/>
+          </a:bodyPr>
+          <a:lstStyle/>
+          <a:p>
+            <a:r>
+              <a:rPr lang="en-GB" dirty="0"/>
+              <a:t>Instructor:</a:t>
+            </a:r>
+          </a:p>
+        </p:txBody>
+      </p:sp>
+      <p:pic>
+        <p:nvPicPr>
+          <p:cNvPr id="11" name="Picture 10"/>
+          <p:cNvPicPr>
+            <a:picLocks noChangeAspect="1"/>
+          </p:cNvPicPr>
+          <p:nvPr/>
+        </p:nvPicPr>
+        <p:blipFill>
+          <a:blip r:embed="rId5">
+            <a:extLst>
+              <a:ext uri="{28A0092B-C50C-407E-A947-70E740481C1C}">
+                <a14:useLocalDpi xmlns:a14="http://schemas.microsoft.com/office/drawing/2010/main" val="0"/>
+              </a:ext>
+            </a:extLst>
+          </a:blip>
+          <a:stretch>
+            <a:fillRect/>
+          </a:stretch>
+        </p:blipFill>
+        <p:spPr>
+          <a:xfrm>
+            <a:off x="7367943" y="2620915"/>
+            <a:ext cx="2317618" cy="4120211"/>
+          </a:xfrm>
+          <a:prstGeom prst="rect">
+            <a:avLst/>
+          </a:prstGeom>
+        </p:spPr>
+      </p:pic>
+      <p:pic>
+        <p:nvPicPr>
+          <p:cNvPr id="13" name="Picture 12"/>
+          <p:cNvPicPr>
+            <a:picLocks noChangeAspect="1"/>
+          </p:cNvPicPr>
+          <p:nvPr/>
+        </p:nvPicPr>
+        <p:blipFill>
+          <a:blip r:embed="rId6">
+            <a:extLst>
+              <a:ext uri="{28A0092B-C50C-407E-A947-70E740481C1C}">
+                <a14:useLocalDpi xmlns:a14="http://schemas.microsoft.com/office/drawing/2010/main" val="0"/>
+              </a:ext>
+            </a:extLst>
+          </a:blip>
+          <a:stretch>
+            <a:fillRect/>
+          </a:stretch>
+        </p:blipFill>
+        <p:spPr>
+          <a:xfrm>
+            <a:off x="9761768" y="2620916"/>
+            <a:ext cx="2331172" cy="4144304"/>
+          </a:xfrm>
+          <a:prstGeom prst="rect">
+            <a:avLst/>
+          </a:prstGeom>
+        </p:spPr>
+      </p:pic>
+    </p:spTree>
+    <p:extLst>
+      <p:ext uri="{BB962C8B-B14F-4D97-AF65-F5344CB8AC3E}">
+        <p14:creationId xmlns:p14="http://schemas.microsoft.com/office/powerpoint/2010/main" val="2641199577"/>
+      </p:ext>
+    </p:extLst>
+  </p:cSld>
+  <p:clrMapOvr>
+    <a:masterClrMapping/>
+  </p:clrMapOvr>
+</p:sld>
+</file>
+
+<file path=ppt/slides/slide14.xml><?xml version="1.0" encoding="utf-8"?>
+<p:sld xmlns:a="http://schemas.openxmlformats.org/drawingml/2006/main" xmlns:r="http://schemas.openxmlformats.org/officeDocument/2006/relationships" xmlns:p="http://schemas.openxmlformats.org/presentationml/2006/main">
+  <p:cSld>
+    <p:spTree>
+      <p:nvGrpSpPr>
+        <p:cNvPr id="1" name=""/>
+        <p:cNvGrpSpPr/>
+        <p:nvPr/>
+      </p:nvGrpSpPr>
+      <p:grpSpPr>
+        <a:xfrm>
+          <a:off x="0" y="0"/>
+          <a:ext cx="0" cy="0"/>
+          <a:chOff x="0" y="0"/>
+          <a:chExt cx="0" cy="0"/>
+        </a:xfrm>
+      </p:grpSpPr>
+      <p:sp>
+        <p:nvSpPr>
+          <p:cNvPr id="2" name="Title 1"/>
+          <p:cNvSpPr>
+            <a:spLocks noGrp="1"/>
+          </p:cNvSpPr>
+          <p:nvPr>
+            <p:ph type="title"/>
+          </p:nvPr>
+        </p:nvSpPr>
+        <p:spPr/>
+        <p:txBody>
+          <a:bodyPr/>
+          <a:lstStyle/>
+          <a:p>
+            <a:r>
               <a:rPr lang="en-US" b="1" dirty="0"/>
               <a:t>Architecture and Functionality</a:t>
             </a:r>
@@ -13500,7 +14468,7 @@
 </p:sld>
 </file>
 
-<file path=ppt/slides/slide11.xml><?xml version="1.0" encoding="utf-8"?>
+<file path=ppt/slides/slide15.xml><?xml version="1.0" encoding="utf-8"?>
 <p:sld xmlns:a="http://schemas.openxmlformats.org/drawingml/2006/main" xmlns:r="http://schemas.openxmlformats.org/officeDocument/2006/relationships" xmlns:p="http://schemas.openxmlformats.org/presentationml/2006/main">
   <p:cSld>
     <p:spTree>
@@ -13731,7 +14699,7 @@
 </p:sld>
 </file>
 
-<file path=ppt/slides/slide12.xml><?xml version="1.0" encoding="utf-8"?>
+<file path=ppt/slides/slide16.xml><?xml version="1.0" encoding="utf-8"?>
 <p:sld xmlns:a="http://schemas.openxmlformats.org/drawingml/2006/main" xmlns:r="http://schemas.openxmlformats.org/officeDocument/2006/relationships" xmlns:p="http://schemas.openxmlformats.org/presentationml/2006/main">
   <p:cSld>
     <p:spTree>
@@ -13782,40 +14750,47 @@
         </p:nvSpPr>
         <p:spPr/>
         <p:txBody>
-          <a:bodyPr/>
+          <a:bodyPr>
+            <a:normAutofit/>
+          </a:bodyPr>
           <a:lstStyle/>
           <a:p>
             <a:pPr marL="0" indent="0">
               <a:buNone/>
             </a:pPr>
             <a:r>
-              <a:rPr lang="en-US" b="1" dirty="0"/>
+              <a:rPr lang="en-US" sz="2400" b="1" dirty="0"/>
               <a:t>We expect that:</a:t>
             </a:r>
           </a:p>
           <a:p>
             <a:r>
-              <a:rPr lang="en-US" dirty="0"/>
+              <a:rPr lang="en-US" sz="2400" dirty="0"/>
               <a:t>Communication between instructors and students is clear and noise free.</a:t>
             </a:r>
           </a:p>
           <a:p>
             <a:r>
-              <a:rPr lang="en-US" dirty="0"/>
+              <a:rPr lang="en-US" sz="2400" dirty="0"/>
               <a:t>Student opinions on changes are taking into consideration.</a:t>
             </a:r>
           </a:p>
           <a:p>
             <a:r>
-              <a:rPr lang="en-US" dirty="0"/>
+              <a:rPr lang="en-US" sz="2400" dirty="0"/>
               <a:t>Class reschedules are carried out swiftly.</a:t>
             </a:r>
           </a:p>
           <a:p>
             <a:r>
-              <a:rPr lang="en-US" dirty="0"/>
-              <a:t>Venue conflicts are resolved faster.</a:t>
-            </a:r>
+              <a:rPr lang="en-US" sz="2400" dirty="0"/>
+              <a:t>Venue conflicts are </a:t>
+            </a:r>
+            <a:r>
+              <a:rPr lang="en-US" sz="2400" dirty="0" smtClean="0"/>
+              <a:t>preempted/resolve effectively</a:t>
+            </a:r>
+            <a:endParaRPr lang="en-US" sz="2400" dirty="0"/>
           </a:p>
         </p:txBody>
       </p:sp>
@@ -13823,6 +14798,367 @@
     <p:extLst>
       <p:ext uri="{BB962C8B-B14F-4D97-AF65-F5344CB8AC3E}">
         <p14:creationId xmlns:p14="http://schemas.microsoft.com/office/powerpoint/2010/main" val="1583502707"/>
+      </p:ext>
+    </p:extLst>
+  </p:cSld>
+  <p:clrMapOvr>
+    <a:masterClrMapping/>
+  </p:clrMapOvr>
+</p:sld>
+</file>
+
+<file path=ppt/slides/slide17.xml><?xml version="1.0" encoding="utf-8"?>
+<p:sld xmlns:a="http://schemas.openxmlformats.org/drawingml/2006/main" xmlns:r="http://schemas.openxmlformats.org/officeDocument/2006/relationships" xmlns:p="http://schemas.openxmlformats.org/presentationml/2006/main">
+  <p:cSld>
+    <p:spTree>
+      <p:nvGrpSpPr>
+        <p:cNvPr id="1" name=""/>
+        <p:cNvGrpSpPr/>
+        <p:nvPr/>
+      </p:nvGrpSpPr>
+      <p:grpSpPr>
+        <a:xfrm>
+          <a:off x="0" y="0"/>
+          <a:ext cx="0" cy="0"/>
+          <a:chOff x="0" y="0"/>
+          <a:chExt cx="0" cy="0"/>
+        </a:xfrm>
+      </p:grpSpPr>
+      <p:sp>
+        <p:nvSpPr>
+          <p:cNvPr id="2" name="Title 1"/>
+          <p:cNvSpPr>
+            <a:spLocks noGrp="1"/>
+          </p:cNvSpPr>
+          <p:nvPr>
+            <p:ph type="title"/>
+          </p:nvPr>
+        </p:nvSpPr>
+        <p:spPr/>
+        <p:txBody>
+          <a:bodyPr/>
+          <a:lstStyle/>
+          <a:p>
+            <a:r>
+              <a:rPr lang="en-US" dirty="0" smtClean="0"/>
+              <a:t>Various Testing Done On The Project</a:t>
+            </a:r>
+            <a:endParaRPr lang="en-US" dirty="0"/>
+          </a:p>
+        </p:txBody>
+      </p:sp>
+      <p:sp>
+        <p:nvSpPr>
+          <p:cNvPr id="3" name="Content Placeholder 2"/>
+          <p:cNvSpPr>
+            <a:spLocks noGrp="1"/>
+          </p:cNvSpPr>
+          <p:nvPr>
+            <p:ph idx="1"/>
+          </p:nvPr>
+        </p:nvSpPr>
+        <p:spPr/>
+        <p:txBody>
+          <a:bodyPr/>
+          <a:lstStyle/>
+          <a:p>
+            <a:r>
+              <a:rPr lang="en-US" dirty="0" smtClean="0"/>
+              <a:t>Unit testing</a:t>
+            </a:r>
+          </a:p>
+          <a:p>
+            <a:pPr lvl="1"/>
+            <a:r>
+              <a:rPr lang="en-US" dirty="0" smtClean="0"/>
+              <a:t>API </a:t>
+            </a:r>
+            <a:r>
+              <a:rPr lang="en-US" dirty="0" smtClean="0">
+                <a:sym typeface="Wingdings" panose="05000000000000000000" pitchFamily="2" charset="2"/>
+              </a:rPr>
+              <a:t></a:t>
+            </a:r>
+            <a:r>
+              <a:rPr lang="en-US" dirty="0" smtClean="0"/>
+              <a:t> Various API endpoints, Token creation function</a:t>
+            </a:r>
+            <a:endParaRPr lang="en-US" dirty="0"/>
+          </a:p>
+          <a:p>
+            <a:r>
+              <a:rPr lang="en-US" dirty="0" smtClean="0"/>
+              <a:t>Integration testing</a:t>
+            </a:r>
+          </a:p>
+          <a:p>
+            <a:pPr lvl="1"/>
+            <a:r>
+              <a:rPr lang="en-US" dirty="0" smtClean="0"/>
+              <a:t>Android App </a:t>
+            </a:r>
+            <a:r>
+              <a:rPr lang="en-US" dirty="0" smtClean="0">
+                <a:sym typeface="Wingdings" panose="05000000000000000000" pitchFamily="2" charset="2"/>
+              </a:rPr>
+              <a:t></a:t>
+            </a:r>
+            <a:r>
+              <a:rPr lang="en-US" dirty="0" smtClean="0"/>
+              <a:t> modules and packages</a:t>
+            </a:r>
+          </a:p>
+          <a:p>
+            <a:pPr lvl="1"/>
+            <a:r>
+              <a:rPr lang="en-US" dirty="0" smtClean="0"/>
+              <a:t>API </a:t>
+            </a:r>
+            <a:r>
+              <a:rPr lang="en-US" dirty="0" smtClean="0">
+                <a:sym typeface="Wingdings" panose="05000000000000000000" pitchFamily="2" charset="2"/>
+              </a:rPr>
+              <a:t> API-Database communication</a:t>
+            </a:r>
+          </a:p>
+          <a:p>
+            <a:pPr lvl="1"/>
+            <a:r>
+              <a:rPr lang="en-US" dirty="0" smtClean="0">
+                <a:sym typeface="Wingdings" panose="05000000000000000000" pitchFamily="2" charset="2"/>
+              </a:rPr>
+              <a:t>Web app  modules, packages and smoke testing</a:t>
+            </a:r>
+            <a:endParaRPr lang="en-US" dirty="0" smtClean="0"/>
+          </a:p>
+        </p:txBody>
+      </p:sp>
+    </p:spTree>
+    <p:extLst>
+      <p:ext uri="{BB962C8B-B14F-4D97-AF65-F5344CB8AC3E}">
+        <p14:creationId xmlns:p14="http://schemas.microsoft.com/office/powerpoint/2010/main" val="1536446548"/>
+      </p:ext>
+    </p:extLst>
+  </p:cSld>
+  <p:clrMapOvr>
+    <a:masterClrMapping/>
+  </p:clrMapOvr>
+</p:sld>
+</file>
+
+<file path=ppt/slides/slide18.xml><?xml version="1.0" encoding="utf-8"?>
+<p:sld xmlns:a="http://schemas.openxmlformats.org/drawingml/2006/main" xmlns:r="http://schemas.openxmlformats.org/officeDocument/2006/relationships" xmlns:p="http://schemas.openxmlformats.org/presentationml/2006/main">
+  <p:cSld>
+    <p:spTree>
+      <p:nvGrpSpPr>
+        <p:cNvPr id="1" name=""/>
+        <p:cNvGrpSpPr/>
+        <p:nvPr/>
+      </p:nvGrpSpPr>
+      <p:grpSpPr>
+        <a:xfrm>
+          <a:off x="0" y="0"/>
+          <a:ext cx="0" cy="0"/>
+          <a:chOff x="0" y="0"/>
+          <a:chExt cx="0" cy="0"/>
+        </a:xfrm>
+      </p:grpSpPr>
+      <p:sp>
+        <p:nvSpPr>
+          <p:cNvPr id="2" name="Title 1"/>
+          <p:cNvSpPr>
+            <a:spLocks noGrp="1"/>
+          </p:cNvSpPr>
+          <p:nvPr>
+            <p:ph type="title"/>
+          </p:nvPr>
+        </p:nvSpPr>
+        <p:spPr/>
+        <p:txBody>
+          <a:bodyPr/>
+          <a:lstStyle/>
+          <a:p>
+            <a:r>
+              <a:rPr lang="en-US" dirty="0" smtClean="0"/>
+              <a:t>Software Models Used</a:t>
+            </a:r>
+            <a:endParaRPr lang="en-US" dirty="0"/>
+          </a:p>
+        </p:txBody>
+      </p:sp>
+      <p:sp>
+        <p:nvSpPr>
+          <p:cNvPr id="3" name="Content Placeholder 2"/>
+          <p:cNvSpPr>
+            <a:spLocks noGrp="1"/>
+          </p:cNvSpPr>
+          <p:nvPr>
+            <p:ph idx="1"/>
+          </p:nvPr>
+        </p:nvSpPr>
+        <p:spPr/>
+        <p:txBody>
+          <a:bodyPr/>
+          <a:lstStyle/>
+          <a:p>
+            <a:r>
+              <a:rPr lang="en-US" dirty="0" smtClean="0"/>
+              <a:t>Agile Scrum process model</a:t>
+            </a:r>
+          </a:p>
+          <a:p>
+            <a:r>
+              <a:rPr lang="en-US" dirty="0" smtClean="0"/>
+              <a:t>Front-end</a:t>
+            </a:r>
+          </a:p>
+          <a:p>
+            <a:pPr lvl="1"/>
+            <a:r>
+              <a:rPr lang="en-US" dirty="0" smtClean="0"/>
+              <a:t>Android development used Incremental model as sub-process model</a:t>
+            </a:r>
+          </a:p>
+          <a:p>
+            <a:pPr lvl="1"/>
+            <a:r>
+              <a:rPr lang="en-US" dirty="0" smtClean="0"/>
+              <a:t>Web development used Big Bang as sub-process model</a:t>
+            </a:r>
+          </a:p>
+          <a:p>
+            <a:r>
+              <a:rPr lang="en-US" dirty="0" smtClean="0"/>
+              <a:t>Back-end</a:t>
+            </a:r>
+          </a:p>
+          <a:p>
+            <a:pPr lvl="1"/>
+            <a:r>
+              <a:rPr lang="en-US" dirty="0" smtClean="0"/>
+              <a:t>API design used Big Bang as sub-process model</a:t>
+            </a:r>
+            <a:endParaRPr lang="en-US" dirty="0"/>
+          </a:p>
+        </p:txBody>
+      </p:sp>
+    </p:spTree>
+    <p:extLst>
+      <p:ext uri="{BB962C8B-B14F-4D97-AF65-F5344CB8AC3E}">
+        <p14:creationId xmlns:p14="http://schemas.microsoft.com/office/powerpoint/2010/main" val="341585270"/>
+      </p:ext>
+    </p:extLst>
+  </p:cSld>
+  <p:clrMapOvr>
+    <a:masterClrMapping/>
+  </p:clrMapOvr>
+</p:sld>
+</file>
+
+<file path=ppt/slides/slide19.xml><?xml version="1.0" encoding="utf-8"?>
+<p:sld xmlns:a="http://schemas.openxmlformats.org/drawingml/2006/main" xmlns:r="http://schemas.openxmlformats.org/officeDocument/2006/relationships" xmlns:p="http://schemas.openxmlformats.org/presentationml/2006/main">
+  <p:cSld>
+    <p:spTree>
+      <p:nvGrpSpPr>
+        <p:cNvPr id="1" name=""/>
+        <p:cNvGrpSpPr/>
+        <p:nvPr/>
+      </p:nvGrpSpPr>
+      <p:grpSpPr>
+        <a:xfrm>
+          <a:off x="0" y="0"/>
+          <a:ext cx="0" cy="0"/>
+          <a:chOff x="0" y="0"/>
+          <a:chExt cx="0" cy="0"/>
+        </a:xfrm>
+      </p:grpSpPr>
+      <p:sp>
+        <p:nvSpPr>
+          <p:cNvPr id="2" name="Title 1"/>
+          <p:cNvSpPr>
+            <a:spLocks noGrp="1"/>
+          </p:cNvSpPr>
+          <p:nvPr>
+            <p:ph type="title"/>
+          </p:nvPr>
+        </p:nvSpPr>
+        <p:spPr/>
+        <p:txBody>
+          <a:bodyPr/>
+          <a:lstStyle/>
+          <a:p>
+            <a:r>
+              <a:rPr lang="en-US" dirty="0" smtClean="0"/>
+              <a:t>Pictures From Our Meetings</a:t>
+            </a:r>
+            <a:endParaRPr lang="en-US" dirty="0"/>
+          </a:p>
+        </p:txBody>
+      </p:sp>
+      <p:pic>
+        <p:nvPicPr>
+          <p:cNvPr id="6" name="Picture 5"/>
+          <p:cNvPicPr>
+            <a:picLocks noChangeAspect="1"/>
+          </p:cNvPicPr>
+          <p:nvPr/>
+        </p:nvPicPr>
+        <p:blipFill>
+          <a:blip r:embed="rId2" cstate="print">
+            <a:extLst>
+              <a:ext uri="{28A0092B-C50C-407E-A947-70E740481C1C}">
+                <a14:useLocalDpi xmlns:a14="http://schemas.microsoft.com/office/drawing/2010/main" val="0"/>
+              </a:ext>
+            </a:extLst>
+          </a:blip>
+          <a:stretch>
+            <a:fillRect/>
+          </a:stretch>
+        </p:blipFill>
+        <p:spPr>
+          <a:xfrm>
+            <a:off x="1154954" y="2669116"/>
+            <a:ext cx="4648946" cy="3416300"/>
+          </a:xfrm>
+          <a:prstGeom prst="rect">
+            <a:avLst/>
+          </a:prstGeom>
+        </p:spPr>
+      </p:pic>
+      <p:pic>
+        <p:nvPicPr>
+          <p:cNvPr id="7" name="Picture 6"/>
+          <p:cNvPicPr>
+            <a:picLocks noChangeAspect="1"/>
+          </p:cNvPicPr>
+          <p:nvPr/>
+        </p:nvPicPr>
+        <p:blipFill>
+          <a:blip r:embed="rId3" cstate="print">
+            <a:extLst>
+              <a:ext uri="{28A0092B-C50C-407E-A947-70E740481C1C}">
+                <a14:useLocalDpi xmlns:a14="http://schemas.microsoft.com/office/drawing/2010/main" val="0"/>
+              </a:ext>
+            </a:extLst>
+          </a:blip>
+          <a:stretch>
+            <a:fillRect/>
+          </a:stretch>
+        </p:blipFill>
+        <p:spPr>
+          <a:xfrm>
+            <a:off x="6451599" y="2622550"/>
+            <a:ext cx="4064001" cy="3378200"/>
+          </a:xfrm>
+          <a:prstGeom prst="rect">
+            <a:avLst/>
+          </a:prstGeom>
+        </p:spPr>
+      </p:pic>
+    </p:spTree>
+    <p:extLst>
+      <p:ext uri="{BB962C8B-B14F-4D97-AF65-F5344CB8AC3E}">
+        <p14:creationId xmlns:p14="http://schemas.microsoft.com/office/powerpoint/2010/main" val="2311904886"/>
       </p:ext>
     </p:extLst>
   </p:cSld>
@@ -13875,6 +15211,10 @@
               <a:rPr lang="en-US" sz="4000" b="1" dirty="0"/>
               <a:t>PRESENTATION ON ELECTRONIC CLASSREP</a:t>
             </a:r>
+            <a:r>
+              <a:rPr lang="en-US" sz="2800" b="1" dirty="0"/>
+              <a:t/>
+            </a:r>
             <a:br>
               <a:rPr lang="en-US" sz="2800" b="1" dirty="0"/>
             </a:br>
@@ -13882,6 +15222,254 @@
               <a:rPr lang="en-US" sz="2800" b="1" dirty="0"/>
               <a:t>       SOFTWARE ENGINEERING  </a:t>
             </a:r>
+          </a:p>
+        </p:txBody>
+      </p:sp>
+      <p:sp>
+        <p:nvSpPr>
+          <p:cNvPr id="3" name="Content Placeholder 2"/>
+          <p:cNvSpPr>
+            <a:spLocks noGrp="1"/>
+          </p:cNvSpPr>
+          <p:nvPr>
+            <p:ph idx="1"/>
+          </p:nvPr>
+        </p:nvSpPr>
+        <p:spPr>
+          <a:xfrm>
+            <a:off x="1154954" y="2298700"/>
+            <a:ext cx="8825659" cy="4267200"/>
+          </a:xfrm>
+        </p:spPr>
+        <p:txBody>
+          <a:bodyPr>
+            <a:normAutofit/>
+          </a:bodyPr>
+          <a:lstStyle/>
+          <a:p>
+            <a:pPr marL="0" indent="0">
+              <a:buNone/>
+            </a:pPr>
+            <a:r>
+              <a:rPr lang="en-US" sz="2400" dirty="0"/>
+              <a:t>                                   </a:t>
+            </a:r>
+            <a:r>
+              <a:rPr lang="en-US" sz="4000" b="1" dirty="0" smtClean="0"/>
+              <a:t>MANNSCAHFT</a:t>
+            </a:r>
+            <a:endParaRPr lang="en-US" sz="4000" b="1" dirty="0"/>
+          </a:p>
+          <a:p>
+            <a:pPr marL="0" indent="0">
+              <a:buNone/>
+            </a:pPr>
+            <a:r>
+              <a:rPr lang="en-US" sz="2400" dirty="0"/>
+              <a:t>  </a:t>
+            </a:r>
+            <a:r>
+              <a:rPr lang="en-US" sz="2800" b="1" i="1" dirty="0"/>
+              <a:t>GROUP MEMBERS</a:t>
+            </a:r>
+          </a:p>
+          <a:p>
+            <a:r>
+              <a:rPr lang="en-US" sz="2800" dirty="0"/>
+              <a:t>SARAH ABOAGYE MENSAH</a:t>
+            </a:r>
+          </a:p>
+          <a:p>
+            <a:r>
+              <a:rPr lang="en-US" sz="2800" dirty="0"/>
+              <a:t>KWAKU SARPONG MANU</a:t>
+            </a:r>
+          </a:p>
+          <a:p>
+            <a:r>
+              <a:rPr lang="en-US" sz="2800" dirty="0" smtClean="0"/>
+              <a:t>HASSAN MAAZU	</a:t>
+            </a:r>
+            <a:endParaRPr lang="en-US" sz="2800" dirty="0"/>
+          </a:p>
+          <a:p>
+            <a:r>
+              <a:rPr lang="en-US" sz="2800" dirty="0"/>
+              <a:t>JAMAL ISSAH</a:t>
+            </a:r>
+          </a:p>
+          <a:p>
+            <a:r>
+              <a:rPr lang="en-US" sz="2800" dirty="0"/>
+              <a:t>CYRIL YAMOAH</a:t>
+            </a:r>
+          </a:p>
+        </p:txBody>
+      </p:sp>
+    </p:spTree>
+    <p:extLst>
+      <p:ext uri="{BB962C8B-B14F-4D97-AF65-F5344CB8AC3E}">
+        <p14:creationId xmlns:p14="http://schemas.microsoft.com/office/powerpoint/2010/main" val="3680151443"/>
+      </p:ext>
+    </p:extLst>
+  </p:cSld>
+  <p:clrMapOvr>
+    <a:masterClrMapping/>
+  </p:clrMapOvr>
+</p:sld>
+</file>
+
+<file path=ppt/slides/slide20.xml><?xml version="1.0" encoding="utf-8"?>
+<p:sld xmlns:a="http://schemas.openxmlformats.org/drawingml/2006/main" xmlns:r="http://schemas.openxmlformats.org/officeDocument/2006/relationships" xmlns:p="http://schemas.openxmlformats.org/presentationml/2006/main">
+  <p:cSld>
+    <p:spTree>
+      <p:nvGrpSpPr>
+        <p:cNvPr id="1" name=""/>
+        <p:cNvGrpSpPr/>
+        <p:nvPr/>
+      </p:nvGrpSpPr>
+      <p:grpSpPr>
+        <a:xfrm>
+          <a:off x="0" y="0"/>
+          <a:ext cx="0" cy="0"/>
+          <a:chOff x="0" y="0"/>
+          <a:chExt cx="0" cy="0"/>
+        </a:xfrm>
+      </p:grpSpPr>
+      <p:sp>
+        <p:nvSpPr>
+          <p:cNvPr id="2" name="Title 1"/>
+          <p:cNvSpPr>
+            <a:spLocks noGrp="1"/>
+          </p:cNvSpPr>
+          <p:nvPr>
+            <p:ph type="title"/>
+          </p:nvPr>
+        </p:nvSpPr>
+        <p:spPr/>
+        <p:txBody>
+          <a:bodyPr/>
+          <a:lstStyle/>
+          <a:p>
+            <a:r>
+              <a:rPr lang="en-US" dirty="0"/>
+              <a:t>Pictures From Our Meetings</a:t>
+            </a:r>
+          </a:p>
+        </p:txBody>
+      </p:sp>
+      <p:pic>
+        <p:nvPicPr>
+          <p:cNvPr id="4" name="Content Placeholder 3"/>
+          <p:cNvPicPr>
+            <a:picLocks noGrp="1" noChangeAspect="1"/>
+          </p:cNvPicPr>
+          <p:nvPr>
+            <p:ph idx="1"/>
+          </p:nvPr>
+        </p:nvPicPr>
+        <p:blipFill>
+          <a:blip r:embed="rId2" cstate="print">
+            <a:extLst>
+              <a:ext uri="{28A0092B-C50C-407E-A947-70E740481C1C}">
+                <a14:useLocalDpi xmlns:a14="http://schemas.microsoft.com/office/drawing/2010/main" val="0"/>
+              </a:ext>
+            </a:extLst>
+          </a:blip>
+          <a:stretch>
+            <a:fillRect/>
+          </a:stretch>
+        </p:blipFill>
+        <p:spPr>
+          <a:xfrm>
+            <a:off x="685799" y="2463799"/>
+            <a:ext cx="4944292" cy="4041503"/>
+          </a:xfrm>
+          <a:prstGeom prst="rect">
+            <a:avLst/>
+          </a:prstGeom>
+        </p:spPr>
+      </p:pic>
+      <p:pic>
+        <p:nvPicPr>
+          <p:cNvPr id="5" name="Picture 4"/>
+          <p:cNvPicPr>
+            <a:picLocks noChangeAspect="1"/>
+          </p:cNvPicPr>
+          <p:nvPr/>
+        </p:nvPicPr>
+        <p:blipFill>
+          <a:blip r:embed="rId3" cstate="print">
+            <a:extLst>
+              <a:ext uri="{28A0092B-C50C-407E-A947-70E740481C1C}">
+                <a14:useLocalDpi xmlns:a14="http://schemas.microsoft.com/office/drawing/2010/main" val="0"/>
+              </a:ext>
+            </a:extLst>
+          </a:blip>
+          <a:stretch>
+            <a:fillRect/>
+          </a:stretch>
+        </p:blipFill>
+        <p:spPr>
+          <a:xfrm>
+            <a:off x="6374671" y="2463800"/>
+            <a:ext cx="5090519" cy="4041502"/>
+          </a:xfrm>
+          <a:prstGeom prst="rect">
+            <a:avLst/>
+          </a:prstGeom>
+        </p:spPr>
+      </p:pic>
+    </p:spTree>
+    <p:extLst>
+      <p:ext uri="{BB962C8B-B14F-4D97-AF65-F5344CB8AC3E}">
+        <p14:creationId xmlns:p14="http://schemas.microsoft.com/office/powerpoint/2010/main" val="2121407946"/>
+      </p:ext>
+    </p:extLst>
+  </p:cSld>
+  <p:clrMapOvr>
+    <a:masterClrMapping/>
+  </p:clrMapOvr>
+</p:sld>
+</file>
+
+<file path=ppt/slides/slide21.xml><?xml version="1.0" encoding="utf-8"?>
+<p:sld xmlns:a="http://schemas.openxmlformats.org/drawingml/2006/main" xmlns:r="http://schemas.openxmlformats.org/officeDocument/2006/relationships" xmlns:p="http://schemas.openxmlformats.org/presentationml/2006/main">
+  <p:cSld>
+    <p:spTree>
+      <p:nvGrpSpPr>
+        <p:cNvPr id="1" name=""/>
+        <p:cNvGrpSpPr/>
+        <p:nvPr/>
+      </p:nvGrpSpPr>
+      <p:grpSpPr>
+        <a:xfrm>
+          <a:off x="0" y="0"/>
+          <a:ext cx="0" cy="0"/>
+          <a:chOff x="0" y="0"/>
+          <a:chExt cx="0" cy="0"/>
+        </a:xfrm>
+      </p:grpSpPr>
+      <p:sp>
+        <p:nvSpPr>
+          <p:cNvPr id="2" name="Title 1"/>
+          <p:cNvSpPr>
+            <a:spLocks noGrp="1"/>
+          </p:cNvSpPr>
+          <p:nvPr>
+            <p:ph type="title"/>
+          </p:nvPr>
+        </p:nvSpPr>
+        <p:spPr/>
+        <p:txBody>
+          <a:bodyPr/>
+          <a:lstStyle/>
+          <a:p>
+            <a:r>
+              <a:rPr lang="en-US" dirty="0" smtClean="0"/>
+              <a:t>References</a:t>
+            </a:r>
+            <a:endParaRPr lang="en-US" dirty="0"/>
           </a:p>
         </p:txBody>
       </p:sp>
@@ -13900,63 +15488,142 @@
           <a:bodyPr/>
           <a:lstStyle/>
           <a:p>
-            <a:pPr marL="0" indent="0">
-              <a:buNone/>
-            </a:pPr>
-            <a:r>
-              <a:rPr lang="en-US" dirty="0"/>
-              <a:t>                                              </a:t>
-            </a:r>
-            <a:r>
-              <a:rPr lang="en-US" sz="4000" dirty="0"/>
-              <a:t>MANNSCAHFT</a:t>
-            </a:r>
-          </a:p>
-          <a:p>
-            <a:pPr marL="0" indent="0">
-              <a:buNone/>
-            </a:pPr>
-            <a:r>
-              <a:rPr lang="en-US" dirty="0"/>
-              <a:t>  GROUP MEMBERS</a:t>
-            </a:r>
-          </a:p>
-          <a:p>
-            <a:r>
-              <a:rPr lang="en-US" dirty="0"/>
-              <a:t>SARAH ABOAGYE MENSAH</a:t>
-            </a:r>
-          </a:p>
-          <a:p>
-            <a:r>
-              <a:rPr lang="en-US" dirty="0"/>
-              <a:t>KWAKU SARPONG MANU</a:t>
-            </a:r>
-          </a:p>
-          <a:p>
-            <a:r>
-              <a:rPr lang="en-US" dirty="0"/>
-              <a:t>HASSA MAAZ</a:t>
-            </a:r>
-          </a:p>
-          <a:p>
-            <a:r>
-              <a:rPr lang="en-US" dirty="0"/>
-              <a:t>JAMAL ISSAH</a:t>
-            </a:r>
-          </a:p>
-          <a:p>
-            <a:r>
-              <a:rPr lang="en-US" dirty="0"/>
-              <a:t>CYRIL YAMOAH</a:t>
-            </a:r>
+            <a:r>
+              <a:rPr lang="en-US" dirty="0" smtClean="0">
+                <a:hlinkClick r:id="rId2"/>
+              </a:rPr>
+              <a:t>www.researchgate.net</a:t>
+            </a:r>
+            <a:endParaRPr lang="en-US" dirty="0" smtClean="0"/>
+          </a:p>
+          <a:p>
+            <a:r>
+              <a:rPr lang="en-US" dirty="0" smtClean="0">
+                <a:hlinkClick r:id="rId3"/>
+              </a:rPr>
+              <a:t>www.square.github.io/retrofit/.</a:t>
+            </a:r>
+            <a:r>
+              <a:rPr lang="en-US" dirty="0" smtClean="0">
+                <a:hlinkClick r:id="rId3"/>
+              </a:rPr>
+              <a:t>com</a:t>
+            </a:r>
+            <a:endParaRPr lang="en-US" dirty="0"/>
+          </a:p>
+          <a:p>
+            <a:r>
+              <a:rPr lang="en-US" dirty="0" smtClean="0"/>
+              <a:t>Tutorials Point</a:t>
+            </a:r>
+          </a:p>
+          <a:p>
+            <a:r>
+              <a:rPr lang="en-US" dirty="0" smtClean="0"/>
+              <a:t>MySQL Documentation</a:t>
+            </a:r>
+          </a:p>
+          <a:p>
+            <a:r>
+              <a:rPr lang="en-US" dirty="0" smtClean="0"/>
+              <a:t>NPM Documentation</a:t>
+            </a:r>
+            <a:endParaRPr lang="en-US" dirty="0" smtClean="0"/>
+          </a:p>
+          <a:p>
+            <a:endParaRPr lang="en-US" dirty="0"/>
           </a:p>
         </p:txBody>
       </p:sp>
     </p:spTree>
     <p:extLst>
       <p:ext uri="{BB962C8B-B14F-4D97-AF65-F5344CB8AC3E}">
-        <p14:creationId xmlns:p14="http://schemas.microsoft.com/office/powerpoint/2010/main" val="3680151443"/>
+        <p14:creationId xmlns:p14="http://schemas.microsoft.com/office/powerpoint/2010/main" val="3116637182"/>
+      </p:ext>
+    </p:extLst>
+  </p:cSld>
+  <p:clrMapOvr>
+    <a:masterClrMapping/>
+  </p:clrMapOvr>
+</p:sld>
+</file>
+
+<file path=ppt/slides/slide22.xml><?xml version="1.0" encoding="utf-8"?>
+<p:sld xmlns:a="http://schemas.openxmlformats.org/drawingml/2006/main" xmlns:r="http://schemas.openxmlformats.org/officeDocument/2006/relationships" xmlns:p="http://schemas.openxmlformats.org/presentationml/2006/main">
+  <p:cSld>
+    <p:spTree>
+      <p:nvGrpSpPr>
+        <p:cNvPr id="1" name=""/>
+        <p:cNvGrpSpPr/>
+        <p:nvPr/>
+      </p:nvGrpSpPr>
+      <p:grpSpPr>
+        <a:xfrm>
+          <a:off x="0" y="0"/>
+          <a:ext cx="0" cy="0"/>
+          <a:chOff x="0" y="0"/>
+          <a:chExt cx="0" cy="0"/>
+        </a:xfrm>
+      </p:grpSpPr>
+      <p:sp>
+        <p:nvSpPr>
+          <p:cNvPr id="2" name="Title 1"/>
+          <p:cNvSpPr>
+            <a:spLocks noGrp="1"/>
+          </p:cNvSpPr>
+          <p:nvPr>
+            <p:ph type="title"/>
+          </p:nvPr>
+        </p:nvSpPr>
+        <p:spPr/>
+        <p:txBody>
+          <a:bodyPr/>
+          <a:lstStyle/>
+          <a:p>
+            <a:endParaRPr lang="en-US"/>
+          </a:p>
+        </p:txBody>
+      </p:sp>
+      <p:sp>
+        <p:nvSpPr>
+          <p:cNvPr id="3" name="Content Placeholder 2"/>
+          <p:cNvSpPr>
+            <a:spLocks noGrp="1"/>
+          </p:cNvSpPr>
+          <p:nvPr>
+            <p:ph idx="1"/>
+          </p:nvPr>
+        </p:nvSpPr>
+        <p:spPr/>
+        <p:txBody>
+          <a:bodyPr/>
+          <a:lstStyle/>
+          <a:p>
+            <a:pPr algn="ctr"/>
+            <a:endParaRPr lang="en-US" dirty="0" smtClean="0"/>
+          </a:p>
+          <a:p>
+            <a:pPr algn="ctr"/>
+            <a:endParaRPr lang="en-US" dirty="0"/>
+          </a:p>
+          <a:p>
+            <a:pPr algn="ctr"/>
+            <a:endParaRPr lang="en-US" dirty="0" smtClean="0"/>
+          </a:p>
+          <a:p>
+            <a:pPr algn="ctr"/>
+            <a:r>
+              <a:rPr lang="en-US" sz="3600" dirty="0" smtClean="0"/>
+              <a:t>THANK YOU.</a:t>
+            </a:r>
+            <a:endParaRPr lang="en-US" sz="3600" dirty="0"/>
+          </a:p>
+        </p:txBody>
+      </p:sp>
+    </p:spTree>
+    <p:extLst>
+      <p:ext uri="{BB962C8B-B14F-4D97-AF65-F5344CB8AC3E}">
+        <p14:creationId xmlns:p14="http://schemas.microsoft.com/office/powerpoint/2010/main" val="415609949"/>
       </p:ext>
     </p:extLst>
   </p:cSld>
@@ -14015,58 +15682,83 @@
             <p:ph idx="1"/>
           </p:nvPr>
         </p:nvSpPr>
-        <p:spPr/>
+        <p:spPr>
+          <a:xfrm>
+            <a:off x="1154954" y="2603500"/>
+            <a:ext cx="8825659" cy="4064000"/>
+          </a:xfrm>
+        </p:spPr>
         <p:txBody>
-          <a:bodyPr/>
+          <a:bodyPr>
+            <a:normAutofit/>
+          </a:bodyPr>
           <a:lstStyle/>
           <a:p>
+            <a:r>
+              <a:rPr lang="en-US" sz="2400" dirty="0" smtClean="0"/>
+              <a:t>Introduction</a:t>
+            </a:r>
+            <a:endParaRPr lang="en-US" sz="2400" dirty="0"/>
+          </a:p>
+          <a:p>
+            <a:r>
+              <a:rPr lang="en-US" sz="2400" dirty="0"/>
+              <a:t>Problem statement</a:t>
+            </a:r>
+          </a:p>
+          <a:p>
+            <a:r>
+              <a:rPr lang="en-US" sz="2400" dirty="0"/>
+              <a:t>Proposed </a:t>
+            </a:r>
+            <a:r>
+              <a:rPr lang="en-US" sz="2400" dirty="0" smtClean="0"/>
+              <a:t>solution</a:t>
+            </a:r>
+          </a:p>
+          <a:p>
+            <a:r>
+              <a:rPr lang="en-US" sz="2400" dirty="0" smtClean="0"/>
+              <a:t>Discussions about the project</a:t>
+            </a:r>
+            <a:endParaRPr lang="en-US" sz="2400" dirty="0"/>
+          </a:p>
+          <a:p>
+            <a:r>
+              <a:rPr lang="en-US" sz="2400" dirty="0"/>
+              <a:t>Design specifications</a:t>
+            </a:r>
+          </a:p>
+          <a:p>
+            <a:r>
+              <a:rPr lang="en-US" sz="2400" dirty="0"/>
+              <a:t>Architecture and Functionality</a:t>
+            </a:r>
+          </a:p>
+          <a:p>
+            <a:r>
+              <a:rPr lang="en-US" sz="2400" dirty="0"/>
+              <a:t>Desired </a:t>
+            </a:r>
+            <a:r>
+              <a:rPr lang="en-US" sz="2400" dirty="0" smtClean="0"/>
+              <a:t>outcome</a:t>
+            </a:r>
+          </a:p>
+          <a:p>
+            <a:r>
+              <a:rPr lang="en-US" sz="2400" dirty="0" smtClean="0"/>
+              <a:t>Challenges</a:t>
+            </a:r>
+          </a:p>
+          <a:p>
+            <a:endParaRPr lang="en-US" sz="2400" dirty="0"/>
+          </a:p>
+          <a:p>
             <a:pPr marL="0" indent="0">
               <a:buNone/>
             </a:pPr>
-            <a:endParaRPr lang="en-US" dirty="0"/>
-          </a:p>
-          <a:p>
-            <a:r>
-              <a:rPr lang="en-US" dirty="0"/>
-              <a:t>Introduction</a:t>
-            </a:r>
-          </a:p>
-          <a:p>
-            <a:r>
-              <a:rPr lang="en-US" dirty="0"/>
-              <a:t>Problem statement</a:t>
-            </a:r>
-          </a:p>
-          <a:p>
-            <a:r>
-              <a:rPr lang="en-US" dirty="0"/>
-              <a:t>Proposed solution</a:t>
-            </a:r>
-          </a:p>
-          <a:p>
-            <a:r>
-              <a:rPr lang="en-US" dirty="0"/>
-              <a:t>Design specifications</a:t>
-            </a:r>
-          </a:p>
-          <a:p>
-            <a:r>
-              <a:rPr lang="en-US" dirty="0"/>
-              <a:t>Architecture and Functionality</a:t>
-            </a:r>
-          </a:p>
-          <a:p>
-            <a:r>
-              <a:rPr lang="en-US"/>
-              <a:t>Desired outcome</a:t>
-            </a:r>
-            <a:endParaRPr lang="en-US" dirty="0"/>
-          </a:p>
-          <a:p>
-            <a:pPr marL="0" indent="0">
-              <a:buNone/>
-            </a:pPr>
-            <a:endParaRPr lang="en-US" dirty="0"/>
+            <a:endParaRPr lang="en-US" sz="2400" dirty="0"/>
           </a:p>
         </p:txBody>
       </p:sp>
@@ -14134,20 +15826,22 @@
         </p:nvSpPr>
         <p:spPr/>
         <p:txBody>
-          <a:bodyPr/>
+          <a:bodyPr>
+            <a:normAutofit/>
+          </a:bodyPr>
           <a:lstStyle/>
           <a:p>
             <a:r>
-              <a:rPr lang="en-US" dirty="0"/>
+              <a:rPr lang="en-US" sz="3200" dirty="0"/>
               <a:t>Electronic </a:t>
             </a:r>
             <a:r>
-              <a:rPr lang="en-US" dirty="0" err="1"/>
-              <a:t>Classrep</a:t>
-            </a:r>
-            <a:r>
-              <a:rPr lang="en-US" dirty="0"/>
-              <a:t> project seeks to ease both lecturers and students from difficulties in sharing and delays information about the details of a particular course.</a:t>
+              <a:rPr lang="en-US" sz="3200" dirty="0" smtClean="0"/>
+              <a:t>ClassRep </a:t>
+            </a:r>
+            <a:r>
+              <a:rPr lang="en-US" sz="3200" dirty="0"/>
+              <a:t>project seeks to ease both lecturers and students from difficulties in sharing and delays information about the details of a particular course.</a:t>
             </a:r>
           </a:p>
         </p:txBody>
@@ -14216,58 +15910,60 @@
         </p:nvSpPr>
         <p:spPr/>
         <p:txBody>
-          <a:bodyPr/>
+          <a:bodyPr>
+            <a:normAutofit/>
+          </a:bodyPr>
           <a:lstStyle/>
           <a:p>
             <a:r>
-              <a:rPr lang="en-US" dirty="0"/>
+              <a:rPr lang="en-US" sz="2400" dirty="0"/>
               <a:t>Lecture – students communication challenges</a:t>
             </a:r>
           </a:p>
           <a:p>
             <a:r>
-              <a:rPr lang="en-US" dirty="0"/>
+              <a:rPr lang="en-US" sz="2400" dirty="0"/>
               <a:t>Difficulty in resolving lecture timing conflict</a:t>
             </a:r>
           </a:p>
           <a:p>
             <a:r>
-              <a:rPr lang="en-US" dirty="0"/>
+              <a:rPr lang="en-US" sz="2400" dirty="0"/>
               <a:t>Venue conflicts</a:t>
             </a:r>
           </a:p>
           <a:p>
             <a:r>
-              <a:rPr lang="en-US" dirty="0"/>
+              <a:rPr lang="en-US" sz="2400" dirty="0"/>
               <a:t>Untimely distribution of course materials</a:t>
             </a:r>
           </a:p>
           <a:p>
             <a:r>
-              <a:rPr lang="en-US" dirty="0"/>
+              <a:rPr lang="en-US" sz="2400" dirty="0"/>
               <a:t>Human  error</a:t>
             </a:r>
           </a:p>
           <a:p>
             <a:r>
-              <a:rPr lang="en-US" dirty="0"/>
+              <a:rPr lang="en-US" sz="2400" dirty="0"/>
               <a:t>Weak class involvement in decision making</a:t>
             </a:r>
           </a:p>
           <a:p>
-            <a:endParaRPr lang="en-US" dirty="0"/>
-          </a:p>
-          <a:p>
-            <a:endParaRPr lang="en-US" dirty="0"/>
-          </a:p>
-          <a:p>
-            <a:endParaRPr lang="en-US" dirty="0"/>
-          </a:p>
-          <a:p>
-            <a:endParaRPr lang="en-US" dirty="0"/>
-          </a:p>
-          <a:p>
-            <a:endParaRPr lang="en-US" dirty="0"/>
+            <a:endParaRPr lang="en-US" sz="2400" dirty="0"/>
+          </a:p>
+          <a:p>
+            <a:endParaRPr lang="en-US" sz="2400" dirty="0"/>
+          </a:p>
+          <a:p>
+            <a:endParaRPr lang="en-US" sz="2400" dirty="0"/>
+          </a:p>
+          <a:p>
+            <a:endParaRPr lang="en-US" sz="2400" dirty="0"/>
+          </a:p>
+          <a:p>
+            <a:endParaRPr lang="en-US" sz="2400" dirty="0"/>
           </a:p>
         </p:txBody>
       </p:sp>
@@ -14317,9 +16013,10 @@
           <a:lstStyle/>
           <a:p>
             <a:r>
-              <a:rPr lang="en-US" b="1" dirty="0"/>
-              <a:t>Proposed Solution</a:t>
-            </a:r>
+              <a:rPr lang="en-US" dirty="0" smtClean="0"/>
+              <a:t>People’s views on the Project</a:t>
+            </a:r>
+            <a:endParaRPr lang="en-US" dirty="0"/>
           </a:p>
         </p:txBody>
       </p:sp>
@@ -14340,51 +16037,60 @@
           </a:bodyPr>
           <a:lstStyle/>
           <a:p>
-            <a:pPr marL="0" indent="0">
-              <a:buNone/>
-            </a:pPr>
-            <a:r>
-              <a:rPr lang="en-US" b="1" dirty="0"/>
-              <a:t> An app (Android, Web app) to:</a:t>
-            </a:r>
-          </a:p>
-          <a:p>
-            <a:pPr lvl="0"/>
-            <a:r>
-              <a:rPr lang="en-US" dirty="0"/>
-              <a:t>Interface lecturers and students</a:t>
-            </a:r>
-          </a:p>
-          <a:p>
-            <a:pPr lvl="0"/>
-            <a:r>
-              <a:rPr lang="en-US" dirty="0"/>
-              <a:t> Provide a live timetable update</a:t>
-            </a:r>
-          </a:p>
-          <a:p>
-            <a:pPr lvl="0"/>
-            <a:r>
-              <a:rPr lang="en-US" dirty="0"/>
-              <a:t>Increase class participation in decision making</a:t>
-            </a:r>
-          </a:p>
-          <a:p>
-            <a:pPr lvl="0"/>
-            <a:r>
-              <a:rPr lang="en-US" dirty="0"/>
-              <a:t>Provide effective channel for course material distribution </a:t>
-            </a:r>
-          </a:p>
-          <a:p>
-            <a:endParaRPr lang="en-US" dirty="0"/>
+            <a:r>
+              <a:rPr lang="en-US" sz="2400" dirty="0" smtClean="0"/>
+              <a:t>Before starting this project, members of this team went round asking for people’s views on the project and their responses were </a:t>
+            </a:r>
+            <a:r>
+              <a:rPr lang="en-US" sz="2400" dirty="0" smtClean="0"/>
+              <a:t>good ones</a:t>
+            </a:r>
+            <a:endParaRPr lang="en-US" sz="2400" dirty="0" smtClean="0"/>
+          </a:p>
+          <a:p>
+            <a:r>
+              <a:rPr lang="en-US" sz="2400" dirty="0" smtClean="0"/>
+              <a:t>Some also suggested other ideas which were very helpful in our </a:t>
+            </a:r>
+            <a:r>
+              <a:rPr lang="en-US" sz="2400" dirty="0" smtClean="0"/>
+              <a:t>project</a:t>
+            </a:r>
+            <a:endParaRPr lang="en-US" sz="2400" dirty="0" smtClean="0"/>
+          </a:p>
+          <a:p>
+            <a:r>
+              <a:rPr lang="en-US" sz="2400" dirty="0" smtClean="0"/>
+              <a:t>Questionnaires (Google forms) </a:t>
+            </a:r>
+            <a:r>
+              <a:rPr lang="en-US" sz="2400" dirty="0" smtClean="0"/>
+              <a:t>were sent out to various </a:t>
+            </a:r>
+            <a:r>
+              <a:rPr lang="en-US" sz="2400" dirty="0" smtClean="0"/>
+              <a:t>W</a:t>
+            </a:r>
+            <a:r>
+              <a:rPr lang="en-US" sz="2400" dirty="0" smtClean="0"/>
+              <a:t>hatsApp group to get </a:t>
+            </a:r>
+            <a:r>
+              <a:rPr lang="en-US" sz="2400" dirty="0" smtClean="0"/>
+              <a:t>people’s </a:t>
+            </a:r>
+            <a:r>
+              <a:rPr lang="en-US" sz="2400" dirty="0" smtClean="0"/>
+              <a:t>views</a:t>
+            </a:r>
+            <a:endParaRPr lang="en-US" sz="2400" dirty="0"/>
           </a:p>
         </p:txBody>
       </p:sp>
     </p:spTree>
     <p:extLst>
       <p:ext uri="{BB962C8B-B14F-4D97-AF65-F5344CB8AC3E}">
-        <p14:creationId xmlns:p14="http://schemas.microsoft.com/office/powerpoint/2010/main" val="1087964708"/>
+        <p14:creationId xmlns:p14="http://schemas.microsoft.com/office/powerpoint/2010/main" val="4100668014"/>
       </p:ext>
     </p:extLst>
   </p:cSld>
@@ -14428,7 +16134,7 @@
           <a:p>
             <a:r>
               <a:rPr lang="en-US" b="1" dirty="0"/>
-              <a:t>Design Specifications</a:t>
+              <a:t>Proposed Solution</a:t>
             </a:r>
           </a:p>
         </p:txBody>
@@ -14443,54 +16149,58 @@
             <p:ph idx="1"/>
           </p:nvPr>
         </p:nvSpPr>
-        <p:spPr>
-          <a:xfrm>
-            <a:off x="1154954" y="2603500"/>
-            <a:ext cx="8825659" cy="3594100"/>
-          </a:xfrm>
-        </p:spPr>
+        <p:spPr/>
         <p:txBody>
           <a:bodyPr>
             <a:normAutofit/>
           </a:bodyPr>
           <a:lstStyle/>
           <a:p>
-            <a:r>
-              <a:rPr lang="en-US" dirty="0"/>
-              <a:t>User profiles</a:t>
-            </a:r>
-          </a:p>
-          <a:p>
-            <a:r>
-              <a:rPr lang="en-US" dirty="0"/>
-              <a:t>Bulletin boards for each course (with file sharing capabilities)</a:t>
-            </a:r>
-          </a:p>
-          <a:p>
-            <a:r>
-              <a:rPr lang="en-US" dirty="0"/>
-              <a:t>View Current Course Allocation (CCA)</a:t>
-            </a:r>
-          </a:p>
-          <a:p>
-            <a:r>
-              <a:rPr lang="en-US" dirty="0"/>
-              <a:t>Reschedule courses(propose and vote) and update CCA</a:t>
-            </a:r>
-          </a:p>
-          <a:p>
-            <a:pPr>
-              <a:buFontTx/>
-              <a:buChar char="-"/>
+            <a:pPr marL="0" indent="0">
+              <a:buNone/>
             </a:pPr>
-            <a:endParaRPr lang="en-US" dirty="0"/>
+            <a:r>
+              <a:rPr lang="en-US" sz="2400" b="1" dirty="0"/>
+              <a:t> An app (Android, Web app) to:</a:t>
+            </a:r>
+          </a:p>
+          <a:p>
+            <a:pPr lvl="0"/>
+            <a:r>
+              <a:rPr lang="en-US" sz="2400" dirty="0"/>
+              <a:t>Interface lecturers and students</a:t>
+            </a:r>
+          </a:p>
+          <a:p>
+            <a:pPr lvl="0"/>
+            <a:r>
+              <a:rPr lang="en-US" sz="2400" dirty="0"/>
+              <a:t> Provide a live timetable update</a:t>
+            </a:r>
+          </a:p>
+          <a:p>
+            <a:pPr lvl="0"/>
+            <a:r>
+              <a:rPr lang="en-US" sz="2400" dirty="0"/>
+              <a:t>Increase class participation in decision making</a:t>
+            </a:r>
+          </a:p>
+          <a:p>
+            <a:pPr lvl="0"/>
+            <a:r>
+              <a:rPr lang="en-US" sz="2400" dirty="0"/>
+              <a:t>Provide effective channel for course material distribution </a:t>
+            </a:r>
+          </a:p>
+          <a:p>
+            <a:endParaRPr lang="en-US" sz="2400" dirty="0"/>
           </a:p>
         </p:txBody>
       </p:sp>
     </p:spTree>
     <p:extLst>
       <p:ext uri="{BB962C8B-B14F-4D97-AF65-F5344CB8AC3E}">
-        <p14:creationId xmlns:p14="http://schemas.microsoft.com/office/powerpoint/2010/main" val="17204794"/>
+        <p14:creationId xmlns:p14="http://schemas.microsoft.com/office/powerpoint/2010/main" val="1087964708"/>
       </p:ext>
     </p:extLst>
   </p:cSld>
@@ -14527,15 +16237,24 @@
             <p:ph type="title"/>
           </p:nvPr>
         </p:nvSpPr>
-        <p:spPr/>
+        <p:spPr>
+          <a:xfrm>
+            <a:off x="1154954" y="622300"/>
+            <a:ext cx="8761413" cy="1058332"/>
+          </a:xfrm>
+        </p:spPr>
         <p:txBody>
           <a:bodyPr/>
           <a:lstStyle/>
           <a:p>
             <a:r>
-              <a:rPr lang="en-US" b="1" dirty="0"/>
-              <a:t>Architecture and Functionality</a:t>
-            </a:r>
+              <a:rPr lang="en-US" dirty="0"/>
+              <a:t>Discussions about the project</a:t>
+            </a:r>
+            <a:br>
+              <a:rPr lang="en-US" dirty="0"/>
+            </a:br>
+            <a:endParaRPr lang="en-US" dirty="0"/>
           </a:p>
         </p:txBody>
       </p:sp>
@@ -14549,384 +16268,89 @@
             <p:ph idx="1"/>
           </p:nvPr>
         </p:nvSpPr>
-        <p:spPr/>
-        <p:txBody>
-          <a:bodyPr/>
-          <a:lstStyle/>
-          <a:p>
-            <a:endParaRPr lang="en-US" dirty="0"/>
-          </a:p>
-          <a:p>
-            <a:pPr marL="0" indent="0">
-              <a:buNone/>
-            </a:pPr>
-            <a:endParaRPr lang="en-US" dirty="0"/>
-          </a:p>
-        </p:txBody>
-      </p:sp>
-      <p:sp>
-        <p:nvSpPr>
-          <p:cNvPr id="6" name="Content Placeholder 3"/>
-          <p:cNvSpPr txBox="1">
-            <a:spLocks/>
-          </p:cNvSpPr>
-          <p:nvPr/>
-        </p:nvSpPr>
         <p:spPr>
           <a:xfrm>
-            <a:off x="1307354" y="2755900"/>
-            <a:ext cx="8825659" cy="3702050"/>
+            <a:off x="1154954" y="2603500"/>
+            <a:ext cx="10414746" cy="4038600"/>
           </a:xfrm>
-          <a:prstGeom prst="rect">
-            <a:avLst/>
-          </a:prstGeom>
         </p:spPr>
         <p:txBody>
-          <a:bodyPr vert="horz" lIns="91440" tIns="45720" rIns="91440" bIns="45720" rtlCol="0">
-            <a:normAutofit lnSpcReduction="10000"/>
+          <a:bodyPr>
+            <a:noAutofit/>
           </a:bodyPr>
-          <a:lstStyle>
-            <a:lvl1pPr marL="342900" indent="-342900" algn="l" defTabSz="457200" rtl="0" eaLnBrk="1" latinLnBrk="0" hangingPunct="1">
-              <a:spcBef>
-                <a:spcPts val="1000"/>
-              </a:spcBef>
-              <a:spcAft>
-                <a:spcPts val="0"/>
-              </a:spcAft>
-              <a:buClr>
-                <a:schemeClr val="accent1"/>
-              </a:buClr>
-              <a:buSzPct val="80000"/>
-              <a:buFont typeface="Wingdings 3" charset="2"/>
-              <a:buChar char=""/>
-              <a:defRPr sz="1800" b="0" i="0" kern="1200">
-                <a:solidFill>
-                  <a:schemeClr val="tx1">
-                    <a:lumMod val="75000"/>
-                    <a:lumOff val="25000"/>
-                  </a:schemeClr>
-                </a:solidFill>
-                <a:latin typeface="+mn-lt"/>
-                <a:ea typeface="+mn-ea"/>
-                <a:cs typeface="+mn-cs"/>
-              </a:defRPr>
-            </a:lvl1pPr>
-            <a:lvl2pPr marL="742950" indent="-285750" algn="l" defTabSz="457200" rtl="0" eaLnBrk="1" latinLnBrk="0" hangingPunct="1">
-              <a:spcBef>
-                <a:spcPts val="1000"/>
-              </a:spcBef>
-              <a:spcAft>
-                <a:spcPts val="0"/>
-              </a:spcAft>
-              <a:buClr>
-                <a:schemeClr val="accent1"/>
-              </a:buClr>
-              <a:buSzPct val="80000"/>
-              <a:buFont typeface="Wingdings 3" charset="2"/>
-              <a:buChar char=""/>
-              <a:defRPr sz="1600" b="0" i="0" kern="1200">
-                <a:solidFill>
-                  <a:schemeClr val="tx1">
-                    <a:lumMod val="75000"/>
-                    <a:lumOff val="25000"/>
-                  </a:schemeClr>
-                </a:solidFill>
-                <a:latin typeface="+mn-lt"/>
-                <a:ea typeface="+mn-ea"/>
-                <a:cs typeface="+mn-cs"/>
-              </a:defRPr>
-            </a:lvl2pPr>
-            <a:lvl3pPr marL="1143000" indent="-228600" algn="l" defTabSz="457200" rtl="0" eaLnBrk="1" latinLnBrk="0" hangingPunct="1">
-              <a:spcBef>
-                <a:spcPts val="1000"/>
-              </a:spcBef>
-              <a:spcAft>
-                <a:spcPts val="0"/>
-              </a:spcAft>
-              <a:buClr>
-                <a:schemeClr val="accent1"/>
-              </a:buClr>
-              <a:buSzPct val="80000"/>
-              <a:buFont typeface="Wingdings 3" charset="2"/>
-              <a:buChar char=""/>
-              <a:defRPr sz="1400" b="0" i="0" kern="1200">
-                <a:solidFill>
-                  <a:schemeClr val="tx1">
-                    <a:lumMod val="75000"/>
-                    <a:lumOff val="25000"/>
-                  </a:schemeClr>
-                </a:solidFill>
-                <a:latin typeface="+mn-lt"/>
-                <a:ea typeface="+mn-ea"/>
-                <a:cs typeface="+mn-cs"/>
-              </a:defRPr>
-            </a:lvl3pPr>
-            <a:lvl4pPr marL="1600200" indent="-228600" algn="l" defTabSz="457200" rtl="0" eaLnBrk="1" latinLnBrk="0" hangingPunct="1">
-              <a:spcBef>
-                <a:spcPts val="1000"/>
-              </a:spcBef>
-              <a:spcAft>
-                <a:spcPts val="0"/>
-              </a:spcAft>
-              <a:buClr>
-                <a:schemeClr val="accent1"/>
-              </a:buClr>
-              <a:buSzPct val="80000"/>
-              <a:buFont typeface="Wingdings 3" charset="2"/>
-              <a:buChar char=""/>
-              <a:defRPr sz="1200" b="0" i="0" kern="1200">
-                <a:solidFill>
-                  <a:schemeClr val="tx1">
-                    <a:lumMod val="75000"/>
-                    <a:lumOff val="25000"/>
-                  </a:schemeClr>
-                </a:solidFill>
-                <a:latin typeface="+mn-lt"/>
-                <a:ea typeface="+mn-ea"/>
-                <a:cs typeface="+mn-cs"/>
-              </a:defRPr>
-            </a:lvl4pPr>
-            <a:lvl5pPr marL="2057400" indent="-228600" algn="l" defTabSz="457200" rtl="0" eaLnBrk="1" latinLnBrk="0" hangingPunct="1">
-              <a:spcBef>
-                <a:spcPts val="1000"/>
-              </a:spcBef>
-              <a:spcAft>
-                <a:spcPts val="0"/>
-              </a:spcAft>
-              <a:buClr>
-                <a:schemeClr val="accent1"/>
-              </a:buClr>
-              <a:buSzPct val="80000"/>
-              <a:buFont typeface="Wingdings 3" charset="2"/>
-              <a:buChar char=""/>
-              <a:defRPr sz="1200" b="0" i="0" kern="1200">
-                <a:solidFill>
-                  <a:schemeClr val="tx1">
-                    <a:lumMod val="75000"/>
-                    <a:lumOff val="25000"/>
-                  </a:schemeClr>
-                </a:solidFill>
-                <a:latin typeface="+mn-lt"/>
-                <a:ea typeface="+mn-ea"/>
-                <a:cs typeface="+mn-cs"/>
-              </a:defRPr>
-            </a:lvl5pPr>
-            <a:lvl6pPr marL="2514600" indent="-228600" algn="l" defTabSz="457200" rtl="0" eaLnBrk="1" latinLnBrk="0" hangingPunct="1">
-              <a:spcBef>
-                <a:spcPts val="1000"/>
-              </a:spcBef>
-              <a:spcAft>
-                <a:spcPts val="0"/>
-              </a:spcAft>
-              <a:buClr>
-                <a:schemeClr val="accent1"/>
-              </a:buClr>
-              <a:buSzPct val="80000"/>
-              <a:buFont typeface="Wingdings 3" charset="2"/>
-              <a:buChar char=""/>
-              <a:defRPr sz="1200" b="0" i="0" kern="1200">
-                <a:solidFill>
-                  <a:schemeClr val="tx1">
-                    <a:lumMod val="75000"/>
-                    <a:lumOff val="25000"/>
-                  </a:schemeClr>
-                </a:solidFill>
-                <a:latin typeface="+mn-lt"/>
-                <a:ea typeface="+mn-ea"/>
-                <a:cs typeface="+mn-cs"/>
-              </a:defRPr>
-            </a:lvl6pPr>
-            <a:lvl7pPr marL="2971800" indent="-228600" algn="l" defTabSz="457200" rtl="0" eaLnBrk="1" latinLnBrk="0" hangingPunct="1">
-              <a:spcBef>
-                <a:spcPts val="1000"/>
-              </a:spcBef>
-              <a:spcAft>
-                <a:spcPts val="0"/>
-              </a:spcAft>
-              <a:buClr>
-                <a:schemeClr val="accent1"/>
-              </a:buClr>
-              <a:buSzPct val="80000"/>
-              <a:buFont typeface="Wingdings 3" charset="2"/>
-              <a:buChar char=""/>
-              <a:defRPr sz="1200" b="0" i="0" kern="1200">
-                <a:solidFill>
-                  <a:schemeClr val="tx1">
-                    <a:lumMod val="75000"/>
-                    <a:lumOff val="25000"/>
-                  </a:schemeClr>
-                </a:solidFill>
-                <a:latin typeface="+mn-lt"/>
-                <a:ea typeface="+mn-ea"/>
-                <a:cs typeface="+mn-cs"/>
-              </a:defRPr>
-            </a:lvl7pPr>
-            <a:lvl8pPr marL="3429000" indent="-228600" algn="l" defTabSz="457200" rtl="0" eaLnBrk="1" latinLnBrk="0" hangingPunct="1">
-              <a:spcBef>
-                <a:spcPts val="1000"/>
-              </a:spcBef>
-              <a:spcAft>
-                <a:spcPts val="0"/>
-              </a:spcAft>
-              <a:buClr>
-                <a:schemeClr val="accent1"/>
-              </a:buClr>
-              <a:buSzPct val="80000"/>
-              <a:buFont typeface="Wingdings 3" charset="2"/>
-              <a:buChar char=""/>
-              <a:defRPr sz="1200" b="0" i="0" kern="1200">
-                <a:solidFill>
-                  <a:schemeClr val="tx1">
-                    <a:lumMod val="75000"/>
-                    <a:lumOff val="25000"/>
-                  </a:schemeClr>
-                </a:solidFill>
-                <a:latin typeface="+mn-lt"/>
-                <a:ea typeface="+mn-ea"/>
-                <a:cs typeface="+mn-cs"/>
-              </a:defRPr>
-            </a:lvl8pPr>
-            <a:lvl9pPr marL="3886200" indent="-228600" algn="l" defTabSz="457200" rtl="0" eaLnBrk="1" latinLnBrk="0" hangingPunct="1">
-              <a:spcBef>
-                <a:spcPts val="1000"/>
-              </a:spcBef>
-              <a:spcAft>
-                <a:spcPts val="0"/>
-              </a:spcAft>
-              <a:buClr>
-                <a:schemeClr val="accent1"/>
-              </a:buClr>
-              <a:buSzPct val="80000"/>
-              <a:buFont typeface="Wingdings 3" charset="2"/>
-              <a:buChar char=""/>
-              <a:defRPr sz="1200" b="0" i="0" kern="1200">
-                <a:solidFill>
-                  <a:schemeClr val="tx1">
-                    <a:lumMod val="75000"/>
-                    <a:lumOff val="25000"/>
-                  </a:schemeClr>
-                </a:solidFill>
-                <a:latin typeface="+mn-lt"/>
-                <a:ea typeface="+mn-ea"/>
-                <a:cs typeface="+mn-cs"/>
-              </a:defRPr>
-            </a:lvl9pPr>
-          </a:lstStyle>
+          <a:lstStyle/>
           <a:p>
             <a:pPr marL="0" indent="0">
-              <a:buFont typeface="Wingdings 3" charset="2"/>
               <a:buNone/>
             </a:pPr>
             <a:r>
-              <a:rPr lang="en-US" b="1" dirty="0"/>
-              <a:t>Front-end:</a:t>
-            </a:r>
-          </a:p>
-          <a:p>
-            <a:r>
-              <a:rPr lang="en-US" dirty="0"/>
-              <a:t>User authentication and privilege designation.</a:t>
-            </a:r>
-          </a:p>
-          <a:p>
-            <a:r>
-              <a:rPr lang="en-US" dirty="0"/>
-              <a:t>Features and viewable bulleting boards are designated according to user attributes (</a:t>
-            </a:r>
-            <a:r>
-              <a:rPr lang="en-US" dirty="0" err="1"/>
-              <a:t>i.e</a:t>
-            </a:r>
-            <a:r>
-              <a:rPr lang="en-US" dirty="0"/>
-              <a:t> lecture or student, year group, courses </a:t>
-            </a:r>
-            <a:r>
-              <a:rPr lang="en-US" dirty="0" err="1"/>
-              <a:t>etc</a:t>
-            </a:r>
-            <a:r>
-              <a:rPr lang="en-US" dirty="0"/>
-              <a:t>).</a:t>
-            </a:r>
-          </a:p>
-          <a:p>
-            <a:r>
-              <a:rPr lang="en-US" dirty="0"/>
-              <a:t>Android and </a:t>
-            </a:r>
-            <a:r>
-              <a:rPr lang="en-US" dirty="0" err="1"/>
-              <a:t>webapp</a:t>
-            </a:r>
-            <a:r>
-              <a:rPr lang="en-US" dirty="0"/>
-              <a:t> (react)</a:t>
-            </a:r>
+              <a:rPr lang="en-US" sz="2400" dirty="0" smtClean="0"/>
+              <a:t>Many meetings were held for the discussing the progress of the project. At the various meetings, group members made suggestions that  have helped in the success of this project.</a:t>
+            </a:r>
+            <a:endParaRPr lang="en-US" sz="2400" dirty="0"/>
           </a:p>
           <a:p>
             <a:pPr marL="0" indent="0">
               <a:buNone/>
             </a:pPr>
             <a:r>
-              <a:rPr lang="en-US" b="1" dirty="0"/>
-              <a:t>Back-end:</a:t>
-            </a:r>
-          </a:p>
-          <a:p>
-            <a:r>
-              <a:rPr lang="en-US" dirty="0"/>
-              <a:t>Relational data keeps updated information relating to users and attributes like course of study (or course being taught by lecturer) etc.</a:t>
-            </a:r>
-          </a:p>
-          <a:p>
-            <a:r>
-              <a:rPr lang="en-US" dirty="0"/>
-              <a:t>Queries are made by back-end application on behalf of front end requests.</a:t>
-            </a:r>
-          </a:p>
-          <a:p>
-            <a:r>
-              <a:rPr lang="en-US" dirty="0"/>
-              <a:t>Node/SQL database</a:t>
-            </a:r>
-          </a:p>
-          <a:p>
-            <a:endParaRPr lang="en-US" dirty="0"/>
-          </a:p>
-          <a:p>
-            <a:endParaRPr lang="en-US" dirty="0"/>
+              <a:rPr lang="en-US" sz="2400" dirty="0" smtClean="0"/>
+              <a:t>Some of these suggestions from our various meetings are as follow:</a:t>
+            </a:r>
+          </a:p>
+          <a:p>
+            <a:r>
+              <a:rPr lang="en-US" sz="2400" dirty="0" smtClean="0"/>
+              <a:t>Sarah </a:t>
+            </a:r>
+            <a:r>
+              <a:rPr lang="en-US" sz="2400" dirty="0"/>
+              <a:t>showed samples(tables) of the database to the group for </a:t>
+            </a:r>
+            <a:r>
+              <a:rPr lang="en-US" sz="2400" dirty="0" smtClean="0"/>
+              <a:t>modifications.</a:t>
+            </a:r>
+          </a:p>
+          <a:p>
+            <a:r>
+              <a:rPr lang="en-US" sz="2400" dirty="0" smtClean="0"/>
+              <a:t>Sarpong </a:t>
+            </a:r>
+            <a:r>
+              <a:rPr lang="en-US" sz="2400" dirty="0"/>
+              <a:t>suggested that we add more features to the database like files and voting tables and also IDs to distinguish each </a:t>
+            </a:r>
+            <a:r>
+              <a:rPr lang="en-US" sz="2400" dirty="0" smtClean="0"/>
+              <a:t>table.</a:t>
+            </a:r>
+          </a:p>
+          <a:p>
+            <a:r>
+              <a:rPr lang="en-US" sz="2400" dirty="0" smtClean="0"/>
+              <a:t>Sarah </a:t>
+            </a:r>
+            <a:r>
+              <a:rPr lang="en-US" sz="2400" dirty="0"/>
+              <a:t>and Hassan worked on the ER diagrams for the database.</a:t>
+            </a:r>
           </a:p>
           <a:p>
             <a:pPr marL="0" indent="0">
               <a:buNone/>
             </a:pPr>
-            <a:endParaRPr lang="en-US" b="1" dirty="0"/>
-          </a:p>
-          <a:p>
-            <a:pPr marL="0" indent="0">
-              <a:buNone/>
-            </a:pPr>
-            <a:endParaRPr lang="en-US" b="1" dirty="0"/>
-          </a:p>
-          <a:p>
-            <a:pPr marL="0" indent="0">
-              <a:buNone/>
-            </a:pPr>
-            <a:endParaRPr lang="en-US" dirty="0"/>
-          </a:p>
-          <a:p>
-            <a:pPr marL="0" indent="0">
-              <a:buNone/>
-            </a:pPr>
-            <a:endParaRPr lang="en-US" dirty="0"/>
+            <a:r>
+              <a:rPr lang="en-US" sz="2400" dirty="0"/>
+              <a:t>	</a:t>
+            </a:r>
           </a:p>
         </p:txBody>
       </p:sp>
     </p:spTree>
     <p:extLst>
       <p:ext uri="{BB962C8B-B14F-4D97-AF65-F5344CB8AC3E}">
-        <p14:creationId xmlns:p14="http://schemas.microsoft.com/office/powerpoint/2010/main" val="1700585870"/>
+        <p14:creationId xmlns:p14="http://schemas.microsoft.com/office/powerpoint/2010/main" val="3753798357"/>
       </p:ext>
     </p:extLst>
   </p:cSld>
@@ -14969,194 +16393,100 @@
           <a:lstStyle/>
           <a:p>
             <a:r>
-              <a:rPr lang="en-US" b="1" dirty="0"/>
-              <a:t>Architecture and Functionality</a:t>
-            </a:r>
-            <a:endParaRPr lang="en-GB" dirty="0"/>
+              <a:rPr lang="en-US" dirty="0" smtClean="0"/>
+              <a:t>Suggestions From Our Meetings</a:t>
+            </a:r>
+            <a:endParaRPr lang="en-US" dirty="0"/>
           </a:p>
         </p:txBody>
       </p:sp>
-      <p:pic>
-        <p:nvPicPr>
-          <p:cNvPr id="4" name="Content Placeholder 3"/>
-          <p:cNvPicPr>
-            <a:picLocks noGrp="1" noChangeAspect="1"/>
-          </p:cNvPicPr>
+      <p:sp>
+        <p:nvSpPr>
+          <p:cNvPr id="3" name="Content Placeholder 2"/>
+          <p:cNvSpPr>
+            <a:spLocks noGrp="1"/>
+          </p:cNvSpPr>
           <p:nvPr>
             <p:ph idx="1"/>
           </p:nvPr>
-        </p:nvPicPr>
-        <p:blipFill>
-          <a:blip r:embed="rId2">
-            <a:extLst>
-              <a:ext uri="{28A0092B-C50C-407E-A947-70E740481C1C}">
-                <a14:useLocalDpi xmlns:a14="http://schemas.microsoft.com/office/drawing/2010/main" val="0"/>
-              </a:ext>
-            </a:extLst>
-          </a:blip>
-          <a:stretch>
-            <a:fillRect/>
-          </a:stretch>
-        </p:blipFill>
-        <p:spPr>
-          <a:xfrm>
-            <a:off x="48929" y="2620916"/>
-            <a:ext cx="2331170" cy="4144303"/>
-          </a:xfrm>
-        </p:spPr>
-      </p:pic>
-      <p:pic>
-        <p:nvPicPr>
-          <p:cNvPr id="8" name="Picture 7"/>
-          <p:cNvPicPr>
-            <a:picLocks noChangeAspect="1"/>
-          </p:cNvPicPr>
-          <p:nvPr/>
-        </p:nvPicPr>
-        <p:blipFill>
-          <a:blip r:embed="rId3">
-            <a:extLst>
-              <a:ext uri="{28A0092B-C50C-407E-A947-70E740481C1C}">
-                <a14:useLocalDpi xmlns:a14="http://schemas.microsoft.com/office/drawing/2010/main" val="0"/>
-              </a:ext>
-            </a:extLst>
-          </a:blip>
-          <a:stretch>
-            <a:fillRect/>
-          </a:stretch>
-        </p:blipFill>
-        <p:spPr>
-          <a:xfrm>
-            <a:off x="2425077" y="2620916"/>
-            <a:ext cx="2506226" cy="4144304"/>
-          </a:xfrm>
-          <a:prstGeom prst="rect">
-            <a:avLst/>
-          </a:prstGeom>
-        </p:spPr>
-      </p:pic>
-      <p:pic>
-        <p:nvPicPr>
-          <p:cNvPr id="9" name="Picture 8"/>
-          <p:cNvPicPr>
-            <a:picLocks noChangeAspect="1"/>
-          </p:cNvPicPr>
-          <p:nvPr/>
-        </p:nvPicPr>
-        <p:blipFill>
-          <a:blip r:embed="rId4">
-            <a:extLst>
-              <a:ext uri="{28A0092B-C50C-407E-A947-70E740481C1C}">
-                <a14:useLocalDpi xmlns:a14="http://schemas.microsoft.com/office/drawing/2010/main" val="0"/>
-              </a:ext>
-            </a:extLst>
-          </a:blip>
-          <a:stretch>
-            <a:fillRect/>
-          </a:stretch>
-        </p:blipFill>
-        <p:spPr>
-          <a:xfrm>
-            <a:off x="4997236" y="2620916"/>
-            <a:ext cx="2331171" cy="4144304"/>
-          </a:xfrm>
-          <a:prstGeom prst="rect">
-            <a:avLst/>
-          </a:prstGeom>
-        </p:spPr>
-      </p:pic>
-      <p:sp>
-        <p:nvSpPr>
-          <p:cNvPr id="10" name="Rectangle 9"/>
-          <p:cNvSpPr/>
-          <p:nvPr/>
         </p:nvSpPr>
-        <p:spPr>
-          <a:xfrm>
-            <a:off x="780216" y="2251584"/>
-            <a:ext cx="1268296" cy="369332"/>
-          </a:xfrm>
-          <a:prstGeom prst="rect">
-            <a:avLst/>
-          </a:prstGeom>
-        </p:spPr>
+        <p:spPr/>
         <p:txBody>
-          <a:bodyPr wrap="none">
-            <a:spAutoFit/>
+          <a:bodyPr>
+            <a:normAutofit/>
           </a:bodyPr>
           <a:lstStyle/>
           <a:p>
             <a:r>
-              <a:rPr lang="en-GB" dirty="0"/>
-              <a:t>Instructor:</a:t>
-            </a:r>
+              <a:rPr lang="en-US" sz="2400" dirty="0" smtClean="0"/>
+              <a:t>   Cyril </a:t>
+            </a:r>
+            <a:r>
+              <a:rPr lang="en-US" sz="2400" dirty="0"/>
+              <a:t>showed the work he had done on the web portal</a:t>
+            </a:r>
+            <a:r>
+              <a:rPr lang="en-US" sz="2400" dirty="0" smtClean="0"/>
+              <a:t>.</a:t>
+            </a:r>
+          </a:p>
+          <a:p>
+            <a:r>
+              <a:rPr lang="en-US" sz="2400" dirty="0" smtClean="0"/>
+              <a:t>   Jamal </a:t>
+            </a:r>
+            <a:r>
+              <a:rPr lang="en-US" sz="2400" dirty="0"/>
+              <a:t>brought up ideas to be implemented on the </a:t>
+            </a:r>
+            <a:r>
+              <a:rPr lang="en-US" sz="2400" dirty="0" smtClean="0"/>
+              <a:t>designs.</a:t>
+            </a:r>
+          </a:p>
+          <a:p>
+            <a:r>
+              <a:rPr lang="en-US" sz="2400" dirty="0"/>
+              <a:t> </a:t>
+            </a:r>
+            <a:r>
+              <a:rPr lang="en-US" sz="2400" dirty="0" smtClean="0"/>
+              <a:t>  The </a:t>
+            </a:r>
+            <a:r>
+              <a:rPr lang="en-US" sz="2400" dirty="0"/>
+              <a:t>CEO asked if Cyril had tested the work he had done for </a:t>
+            </a:r>
+            <a:r>
+              <a:rPr lang="en-US" sz="2400" dirty="0" smtClean="0"/>
+              <a:t>errors.</a:t>
+            </a:r>
+          </a:p>
+          <a:p>
+            <a:r>
+              <a:rPr lang="en-US" sz="2400" dirty="0"/>
+              <a:t> </a:t>
+            </a:r>
+            <a:r>
+              <a:rPr lang="en-US" sz="2400" dirty="0" smtClean="0"/>
+              <a:t>  Hassan </a:t>
+            </a:r>
+            <a:r>
+              <a:rPr lang="en-US" sz="2400" dirty="0"/>
+              <a:t>said he was having problems with getting his emulator  to work</a:t>
+            </a:r>
+            <a:r>
+              <a:rPr lang="en-US" sz="2400" dirty="0" smtClean="0"/>
+              <a:t>.</a:t>
+            </a:r>
+            <a:endParaRPr lang="en-US" sz="2400" dirty="0"/>
           </a:p>
         </p:txBody>
       </p:sp>
-      <p:pic>
-        <p:nvPicPr>
-          <p:cNvPr id="11" name="Picture 10"/>
-          <p:cNvPicPr>
-            <a:picLocks noChangeAspect="1"/>
-          </p:cNvPicPr>
-          <p:nvPr/>
-        </p:nvPicPr>
-        <p:blipFill>
-          <a:blip r:embed="rId5">
-            <a:extLst>
-              <a:ext uri="{28A0092B-C50C-407E-A947-70E740481C1C}">
-                <a14:useLocalDpi xmlns:a14="http://schemas.microsoft.com/office/drawing/2010/main" val="0"/>
-              </a:ext>
-            </a:extLst>
-          </a:blip>
-          <a:stretch>
-            <a:fillRect/>
-          </a:stretch>
-        </p:blipFill>
-        <p:spPr>
-          <a:xfrm>
-            <a:off x="7367943" y="2620915"/>
-            <a:ext cx="2317618" cy="4120211"/>
-          </a:xfrm>
-          <a:prstGeom prst="rect">
-            <a:avLst/>
-          </a:prstGeom>
-        </p:spPr>
-      </p:pic>
-      <p:pic>
-        <p:nvPicPr>
-          <p:cNvPr id="13" name="Picture 12"/>
-          <p:cNvPicPr>
-            <a:picLocks noChangeAspect="1"/>
-          </p:cNvPicPr>
-          <p:nvPr/>
-        </p:nvPicPr>
-        <p:blipFill>
-          <a:blip r:embed="rId6">
-            <a:extLst>
-              <a:ext uri="{28A0092B-C50C-407E-A947-70E740481C1C}">
-                <a14:useLocalDpi xmlns:a14="http://schemas.microsoft.com/office/drawing/2010/main" val="0"/>
-              </a:ext>
-            </a:extLst>
-          </a:blip>
-          <a:stretch>
-            <a:fillRect/>
-          </a:stretch>
-        </p:blipFill>
-        <p:spPr>
-          <a:xfrm>
-            <a:off x="9761768" y="2620916"/>
-            <a:ext cx="2331172" cy="4144304"/>
-          </a:xfrm>
-          <a:prstGeom prst="rect">
-            <a:avLst/>
-          </a:prstGeom>
-        </p:spPr>
-      </p:pic>
     </p:spTree>
     <p:extLst>
       <p:ext uri="{BB962C8B-B14F-4D97-AF65-F5344CB8AC3E}">
-        <p14:creationId xmlns:p14="http://schemas.microsoft.com/office/powerpoint/2010/main" val="2641199577"/>
+        <p14:creationId xmlns:p14="http://schemas.microsoft.com/office/powerpoint/2010/main" val="2433650783"/>
       </p:ext>
     </p:extLst>
   </p:cSld>
